--- a/Telas Trabalhos PWEB.pptx
+++ b/Telas Trabalhos PWEB.pptx
@@ -5,7 +5,7 @@
     <p:sldMasterId id="2147483648" r:id="rId1"/>
   </p:sldMasterIdLst>
   <p:notesMasterIdLst>
-    <p:notesMasterId r:id="rId29"/>
+    <p:notesMasterId r:id="rId25"/>
   </p:notesMasterIdLst>
   <p:sldIdLst>
     <p:sldId id="256" r:id="rId2"/>
@@ -23,18 +23,14 @@
     <p:sldId id="269" r:id="rId14"/>
     <p:sldId id="271" r:id="rId15"/>
     <p:sldId id="272" r:id="rId16"/>
-    <p:sldId id="273" r:id="rId17"/>
-    <p:sldId id="274" r:id="rId18"/>
-    <p:sldId id="275" r:id="rId19"/>
-    <p:sldId id="276" r:id="rId20"/>
-    <p:sldId id="277" r:id="rId21"/>
-    <p:sldId id="278" r:id="rId22"/>
-    <p:sldId id="279" r:id="rId23"/>
-    <p:sldId id="280" r:id="rId24"/>
-    <p:sldId id="281" r:id="rId25"/>
-    <p:sldId id="282" r:id="rId26"/>
-    <p:sldId id="283" r:id="rId27"/>
-    <p:sldId id="284" r:id="rId28"/>
+    <p:sldId id="276" r:id="rId17"/>
+    <p:sldId id="277" r:id="rId18"/>
+    <p:sldId id="279" r:id="rId19"/>
+    <p:sldId id="280" r:id="rId20"/>
+    <p:sldId id="281" r:id="rId21"/>
+    <p:sldId id="282" r:id="rId22"/>
+    <p:sldId id="283" r:id="rId23"/>
+    <p:sldId id="284" r:id="rId24"/>
   </p:sldIdLst>
   <p:sldSz cx="12192000" cy="6858000"/>
   <p:notesSz cx="6858000" cy="9144000"/>
@@ -223,7 +219,7 @@
           <a:p>
             <a:fld id="{C6A1269B-C5C0-4B42-ABF8-9C069C4CCCA8}" type="datetimeFigureOut">
               <a:rPr lang="pt-BR" smtClean="0"/>
-              <a:t>24/11/2020</a:t>
+              <a:t>25/11/2020</a:t>
             </a:fld>
             <a:endParaRPr lang="pt-BR"/>
           </a:p>
@@ -648,7 +644,7 @@
     </p:spTree>
     <p:extLst>
       <p:ext uri="{BB962C8B-B14F-4D97-AF65-F5344CB8AC3E}">
-        <p14:creationId xmlns:p14="http://schemas.microsoft.com/office/powerpoint/2010/main" val="3580154991"/>
+        <p14:creationId xmlns:p14="http://schemas.microsoft.com/office/powerpoint/2010/main" val="2652501083"/>
       </p:ext>
     </p:extLst>
   </p:cSld>
@@ -732,7 +728,7 @@
     </p:spTree>
     <p:extLst>
       <p:ext uri="{BB962C8B-B14F-4D97-AF65-F5344CB8AC3E}">
-        <p14:creationId xmlns:p14="http://schemas.microsoft.com/office/powerpoint/2010/main" val="3486184095"/>
+        <p14:creationId xmlns:p14="http://schemas.microsoft.com/office/powerpoint/2010/main" val="3100021423"/>
       </p:ext>
     </p:extLst>
   </p:cSld>
@@ -807,7 +803,7 @@
           <a:p>
             <a:fld id="{F8F774DB-594E-45C6-BB8D-DBBD3333AB1E}" type="slidenum">
               <a:rPr lang="pt-BR" smtClean="0"/>
-              <a:t>20</a:t>
+              <a:t>21</a:t>
             </a:fld>
             <a:endParaRPr lang="pt-BR"/>
           </a:p>
@@ -816,7 +812,7 @@
     </p:spTree>
     <p:extLst>
       <p:ext uri="{BB962C8B-B14F-4D97-AF65-F5344CB8AC3E}">
-        <p14:creationId xmlns:p14="http://schemas.microsoft.com/office/powerpoint/2010/main" val="3551422757"/>
+        <p14:creationId xmlns:p14="http://schemas.microsoft.com/office/powerpoint/2010/main" val="2348669622"/>
       </p:ext>
     </p:extLst>
   </p:cSld>
@@ -891,343 +887,7 @@
           <a:p>
             <a:fld id="{F8F774DB-594E-45C6-BB8D-DBBD3333AB1E}" type="slidenum">
               <a:rPr lang="pt-BR" smtClean="0"/>
-              <a:t>21</a:t>
-            </a:fld>
-            <a:endParaRPr lang="pt-BR"/>
-          </a:p>
-        </p:txBody>
-      </p:sp>
-    </p:spTree>
-    <p:extLst>
-      <p:ext uri="{BB962C8B-B14F-4D97-AF65-F5344CB8AC3E}">
-        <p14:creationId xmlns:p14="http://schemas.microsoft.com/office/powerpoint/2010/main" val="4264781216"/>
-      </p:ext>
-    </p:extLst>
-  </p:cSld>
-  <p:clrMapOvr>
-    <a:masterClrMapping/>
-  </p:clrMapOvr>
-</p:notes>
-</file>
-
-<file path=ppt/notesSlides/notesSlide14.xml><?xml version="1.0" encoding="utf-8"?>
-<p:notes xmlns:a="http://schemas.openxmlformats.org/drawingml/2006/main" xmlns:r="http://schemas.openxmlformats.org/officeDocument/2006/relationships" xmlns:p="http://schemas.openxmlformats.org/presentationml/2006/main">
-  <p:cSld>
-    <p:spTree>
-      <p:nvGrpSpPr>
-        <p:cNvPr id="1" name=""/>
-        <p:cNvGrpSpPr/>
-        <p:nvPr/>
-      </p:nvGrpSpPr>
-      <p:grpSpPr>
-        <a:xfrm>
-          <a:off x="0" y="0"/>
-          <a:ext cx="0" cy="0"/>
-          <a:chOff x="0" y="0"/>
-          <a:chExt cx="0" cy="0"/>
-        </a:xfrm>
-      </p:grpSpPr>
-      <p:sp>
-        <p:nvSpPr>
-          <p:cNvPr id="2" name="Espaço Reservado para Imagem de Slide 1"/>
-          <p:cNvSpPr>
-            <a:spLocks noGrp="1" noRot="1" noChangeAspect="1"/>
-          </p:cNvSpPr>
-          <p:nvPr>
-            <p:ph type="sldImg"/>
-          </p:nvPr>
-        </p:nvSpPr>
-        <p:spPr/>
-      </p:sp>
-      <p:sp>
-        <p:nvSpPr>
-          <p:cNvPr id="3" name="Espaço Reservado para Anotações 2"/>
-          <p:cNvSpPr>
-            <a:spLocks noGrp="1"/>
-          </p:cNvSpPr>
-          <p:nvPr>
-            <p:ph type="body" idx="1"/>
-          </p:nvPr>
-        </p:nvSpPr>
-        <p:spPr/>
-        <p:txBody>
-          <a:bodyPr/>
-          <a:lstStyle/>
-          <a:p>
-            <a:endParaRPr lang="pt-BR" dirty="0"/>
-          </a:p>
-        </p:txBody>
-      </p:sp>
-      <p:sp>
-        <p:nvSpPr>
-          <p:cNvPr id="4" name="Espaço Reservado para Número de Slide 3"/>
-          <p:cNvSpPr>
-            <a:spLocks noGrp="1"/>
-          </p:cNvSpPr>
-          <p:nvPr>
-            <p:ph type="sldNum" sz="quarter" idx="5"/>
-          </p:nvPr>
-        </p:nvSpPr>
-        <p:spPr/>
-        <p:txBody>
-          <a:bodyPr/>
-          <a:lstStyle/>
-          <a:p>
-            <a:fld id="{F8F774DB-594E-45C6-BB8D-DBBD3333AB1E}" type="slidenum">
-              <a:rPr lang="pt-BR" smtClean="0"/>
-              <a:t>22</a:t>
-            </a:fld>
-            <a:endParaRPr lang="pt-BR"/>
-          </a:p>
-        </p:txBody>
-      </p:sp>
-    </p:spTree>
-    <p:extLst>
-      <p:ext uri="{BB962C8B-B14F-4D97-AF65-F5344CB8AC3E}">
-        <p14:creationId xmlns:p14="http://schemas.microsoft.com/office/powerpoint/2010/main" val="2652501083"/>
-      </p:ext>
-    </p:extLst>
-  </p:cSld>
-  <p:clrMapOvr>
-    <a:masterClrMapping/>
-  </p:clrMapOvr>
-</p:notes>
-</file>
-
-<file path=ppt/notesSlides/notesSlide15.xml><?xml version="1.0" encoding="utf-8"?>
-<p:notes xmlns:a="http://schemas.openxmlformats.org/drawingml/2006/main" xmlns:r="http://schemas.openxmlformats.org/officeDocument/2006/relationships" xmlns:p="http://schemas.openxmlformats.org/presentationml/2006/main">
-  <p:cSld>
-    <p:spTree>
-      <p:nvGrpSpPr>
-        <p:cNvPr id="1" name=""/>
-        <p:cNvGrpSpPr/>
-        <p:nvPr/>
-      </p:nvGrpSpPr>
-      <p:grpSpPr>
-        <a:xfrm>
-          <a:off x="0" y="0"/>
-          <a:ext cx="0" cy="0"/>
-          <a:chOff x="0" y="0"/>
-          <a:chExt cx="0" cy="0"/>
-        </a:xfrm>
-      </p:grpSpPr>
-      <p:sp>
-        <p:nvSpPr>
-          <p:cNvPr id="2" name="Espaço Reservado para Imagem de Slide 1"/>
-          <p:cNvSpPr>
-            <a:spLocks noGrp="1" noRot="1" noChangeAspect="1"/>
-          </p:cNvSpPr>
-          <p:nvPr>
-            <p:ph type="sldImg"/>
-          </p:nvPr>
-        </p:nvSpPr>
-        <p:spPr/>
-      </p:sp>
-      <p:sp>
-        <p:nvSpPr>
-          <p:cNvPr id="3" name="Espaço Reservado para Anotações 2"/>
-          <p:cNvSpPr>
-            <a:spLocks noGrp="1"/>
-          </p:cNvSpPr>
-          <p:nvPr>
-            <p:ph type="body" idx="1"/>
-          </p:nvPr>
-        </p:nvSpPr>
-        <p:spPr/>
-        <p:txBody>
-          <a:bodyPr/>
-          <a:lstStyle/>
-          <a:p>
-            <a:endParaRPr lang="pt-BR" dirty="0"/>
-          </a:p>
-        </p:txBody>
-      </p:sp>
-      <p:sp>
-        <p:nvSpPr>
-          <p:cNvPr id="4" name="Espaço Reservado para Número de Slide 3"/>
-          <p:cNvSpPr>
-            <a:spLocks noGrp="1"/>
-          </p:cNvSpPr>
-          <p:nvPr>
-            <p:ph type="sldNum" sz="quarter" idx="5"/>
-          </p:nvPr>
-        </p:nvSpPr>
-        <p:spPr/>
-        <p:txBody>
-          <a:bodyPr/>
-          <a:lstStyle/>
-          <a:p>
-            <a:fld id="{F8F774DB-594E-45C6-BB8D-DBBD3333AB1E}" type="slidenum">
-              <a:rPr lang="pt-BR" smtClean="0"/>
               <a:t>23</a:t>
-            </a:fld>
-            <a:endParaRPr lang="pt-BR"/>
-          </a:p>
-        </p:txBody>
-      </p:sp>
-    </p:spTree>
-    <p:extLst>
-      <p:ext uri="{BB962C8B-B14F-4D97-AF65-F5344CB8AC3E}">
-        <p14:creationId xmlns:p14="http://schemas.microsoft.com/office/powerpoint/2010/main" val="3100021423"/>
-      </p:ext>
-    </p:extLst>
-  </p:cSld>
-  <p:clrMapOvr>
-    <a:masterClrMapping/>
-  </p:clrMapOvr>
-</p:notes>
-</file>
-
-<file path=ppt/notesSlides/notesSlide16.xml><?xml version="1.0" encoding="utf-8"?>
-<p:notes xmlns:a="http://schemas.openxmlformats.org/drawingml/2006/main" xmlns:r="http://schemas.openxmlformats.org/officeDocument/2006/relationships" xmlns:p="http://schemas.openxmlformats.org/presentationml/2006/main">
-  <p:cSld>
-    <p:spTree>
-      <p:nvGrpSpPr>
-        <p:cNvPr id="1" name=""/>
-        <p:cNvGrpSpPr/>
-        <p:nvPr/>
-      </p:nvGrpSpPr>
-      <p:grpSpPr>
-        <a:xfrm>
-          <a:off x="0" y="0"/>
-          <a:ext cx="0" cy="0"/>
-          <a:chOff x="0" y="0"/>
-          <a:chExt cx="0" cy="0"/>
-        </a:xfrm>
-      </p:grpSpPr>
-      <p:sp>
-        <p:nvSpPr>
-          <p:cNvPr id="2" name="Espaço Reservado para Imagem de Slide 1"/>
-          <p:cNvSpPr>
-            <a:spLocks noGrp="1" noRot="1" noChangeAspect="1"/>
-          </p:cNvSpPr>
-          <p:nvPr>
-            <p:ph type="sldImg"/>
-          </p:nvPr>
-        </p:nvSpPr>
-        <p:spPr/>
-      </p:sp>
-      <p:sp>
-        <p:nvSpPr>
-          <p:cNvPr id="3" name="Espaço Reservado para Anotações 2"/>
-          <p:cNvSpPr>
-            <a:spLocks noGrp="1"/>
-          </p:cNvSpPr>
-          <p:nvPr>
-            <p:ph type="body" idx="1"/>
-          </p:nvPr>
-        </p:nvSpPr>
-        <p:spPr/>
-        <p:txBody>
-          <a:bodyPr/>
-          <a:lstStyle/>
-          <a:p>
-            <a:endParaRPr lang="pt-BR" dirty="0"/>
-          </a:p>
-        </p:txBody>
-      </p:sp>
-      <p:sp>
-        <p:nvSpPr>
-          <p:cNvPr id="4" name="Espaço Reservado para Número de Slide 3"/>
-          <p:cNvSpPr>
-            <a:spLocks noGrp="1"/>
-          </p:cNvSpPr>
-          <p:nvPr>
-            <p:ph type="sldNum" sz="quarter" idx="5"/>
-          </p:nvPr>
-        </p:nvSpPr>
-        <p:spPr/>
-        <p:txBody>
-          <a:bodyPr/>
-          <a:lstStyle/>
-          <a:p>
-            <a:fld id="{F8F774DB-594E-45C6-BB8D-DBBD3333AB1E}" type="slidenum">
-              <a:rPr lang="pt-BR" smtClean="0"/>
-              <a:t>25</a:t>
-            </a:fld>
-            <a:endParaRPr lang="pt-BR"/>
-          </a:p>
-        </p:txBody>
-      </p:sp>
-    </p:spTree>
-    <p:extLst>
-      <p:ext uri="{BB962C8B-B14F-4D97-AF65-F5344CB8AC3E}">
-        <p14:creationId xmlns:p14="http://schemas.microsoft.com/office/powerpoint/2010/main" val="2348669622"/>
-      </p:ext>
-    </p:extLst>
-  </p:cSld>
-  <p:clrMapOvr>
-    <a:masterClrMapping/>
-  </p:clrMapOvr>
-</p:notes>
-</file>
-
-<file path=ppt/notesSlides/notesSlide17.xml><?xml version="1.0" encoding="utf-8"?>
-<p:notes xmlns:a="http://schemas.openxmlformats.org/drawingml/2006/main" xmlns:r="http://schemas.openxmlformats.org/officeDocument/2006/relationships" xmlns:p="http://schemas.openxmlformats.org/presentationml/2006/main">
-  <p:cSld>
-    <p:spTree>
-      <p:nvGrpSpPr>
-        <p:cNvPr id="1" name=""/>
-        <p:cNvGrpSpPr/>
-        <p:nvPr/>
-      </p:nvGrpSpPr>
-      <p:grpSpPr>
-        <a:xfrm>
-          <a:off x="0" y="0"/>
-          <a:ext cx="0" cy="0"/>
-          <a:chOff x="0" y="0"/>
-          <a:chExt cx="0" cy="0"/>
-        </a:xfrm>
-      </p:grpSpPr>
-      <p:sp>
-        <p:nvSpPr>
-          <p:cNvPr id="2" name="Espaço Reservado para Imagem de Slide 1"/>
-          <p:cNvSpPr>
-            <a:spLocks noGrp="1" noRot="1" noChangeAspect="1"/>
-          </p:cNvSpPr>
-          <p:nvPr>
-            <p:ph type="sldImg"/>
-          </p:nvPr>
-        </p:nvSpPr>
-        <p:spPr/>
-      </p:sp>
-      <p:sp>
-        <p:nvSpPr>
-          <p:cNvPr id="3" name="Espaço Reservado para Anotações 2"/>
-          <p:cNvSpPr>
-            <a:spLocks noGrp="1"/>
-          </p:cNvSpPr>
-          <p:nvPr>
-            <p:ph type="body" idx="1"/>
-          </p:nvPr>
-        </p:nvSpPr>
-        <p:spPr/>
-        <p:txBody>
-          <a:bodyPr/>
-          <a:lstStyle/>
-          <a:p>
-            <a:endParaRPr lang="pt-BR" dirty="0"/>
-          </a:p>
-        </p:txBody>
-      </p:sp>
-      <p:sp>
-        <p:nvSpPr>
-          <p:cNvPr id="4" name="Espaço Reservado para Número de Slide 3"/>
-          <p:cNvSpPr>
-            <a:spLocks noGrp="1"/>
-          </p:cNvSpPr>
-          <p:nvPr>
-            <p:ph type="sldNum" sz="quarter" idx="5"/>
-          </p:nvPr>
-        </p:nvSpPr>
-        <p:spPr/>
-        <p:txBody>
-          <a:bodyPr/>
-          <a:lstStyle/>
-          <a:p>
-            <a:fld id="{F8F774DB-594E-45C6-BB8D-DBBD3333AB1E}" type="slidenum">
-              <a:rPr lang="pt-BR" smtClean="0"/>
-              <a:t>27</a:t>
             </a:fld>
             <a:endParaRPr lang="pt-BR"/>
           </a:p>
@@ -1824,7 +1484,7 @@
     </p:spTree>
     <p:extLst>
       <p:ext uri="{BB962C8B-B14F-4D97-AF65-F5344CB8AC3E}">
-        <p14:creationId xmlns:p14="http://schemas.microsoft.com/office/powerpoint/2010/main" val="4047580436"/>
+        <p14:creationId xmlns:p14="http://schemas.microsoft.com/office/powerpoint/2010/main" val="3486184095"/>
       </p:ext>
     </p:extLst>
   </p:cSld>
@@ -1908,7 +1568,7 @@
     </p:spTree>
     <p:extLst>
       <p:ext uri="{BB962C8B-B14F-4D97-AF65-F5344CB8AC3E}">
-        <p14:creationId xmlns:p14="http://schemas.microsoft.com/office/powerpoint/2010/main" val="3613180926"/>
+        <p14:creationId xmlns:p14="http://schemas.microsoft.com/office/powerpoint/2010/main" val="3551422757"/>
       </p:ext>
     </p:extLst>
   </p:cSld>
@@ -2065,7 +1725,7 @@
           <a:p>
             <a:fld id="{01E60E72-A911-464A-9CD1-5FBFA90C9CD7}" type="datetimeFigureOut">
               <a:rPr lang="pt-BR" smtClean="0"/>
-              <a:t>24/11/2020</a:t>
+              <a:t>25/11/2020</a:t>
             </a:fld>
             <a:endParaRPr lang="pt-BR"/>
           </a:p>
@@ -2263,7 +1923,7 @@
           <a:p>
             <a:fld id="{01E60E72-A911-464A-9CD1-5FBFA90C9CD7}" type="datetimeFigureOut">
               <a:rPr lang="pt-BR" smtClean="0"/>
-              <a:t>24/11/2020</a:t>
+              <a:t>25/11/2020</a:t>
             </a:fld>
             <a:endParaRPr lang="pt-BR"/>
           </a:p>
@@ -2471,7 +2131,7 @@
           <a:p>
             <a:fld id="{01E60E72-A911-464A-9CD1-5FBFA90C9CD7}" type="datetimeFigureOut">
               <a:rPr lang="pt-BR" smtClean="0"/>
-              <a:t>24/11/2020</a:t>
+              <a:t>25/11/2020</a:t>
             </a:fld>
             <a:endParaRPr lang="pt-BR"/>
           </a:p>
@@ -2669,7 +2329,7 @@
           <a:p>
             <a:fld id="{01E60E72-A911-464A-9CD1-5FBFA90C9CD7}" type="datetimeFigureOut">
               <a:rPr lang="pt-BR" smtClean="0"/>
-              <a:t>24/11/2020</a:t>
+              <a:t>25/11/2020</a:t>
             </a:fld>
             <a:endParaRPr lang="pt-BR"/>
           </a:p>
@@ -2944,7 +2604,7 @@
           <a:p>
             <a:fld id="{01E60E72-A911-464A-9CD1-5FBFA90C9CD7}" type="datetimeFigureOut">
               <a:rPr lang="pt-BR" smtClean="0"/>
-              <a:t>24/11/2020</a:t>
+              <a:t>25/11/2020</a:t>
             </a:fld>
             <a:endParaRPr lang="pt-BR"/>
           </a:p>
@@ -3209,7 +2869,7 @@
           <a:p>
             <a:fld id="{01E60E72-A911-464A-9CD1-5FBFA90C9CD7}" type="datetimeFigureOut">
               <a:rPr lang="pt-BR" smtClean="0"/>
-              <a:t>24/11/2020</a:t>
+              <a:t>25/11/2020</a:t>
             </a:fld>
             <a:endParaRPr lang="pt-BR"/>
           </a:p>
@@ -3621,7 +3281,7 @@
           <a:p>
             <a:fld id="{01E60E72-A911-464A-9CD1-5FBFA90C9CD7}" type="datetimeFigureOut">
               <a:rPr lang="pt-BR" smtClean="0"/>
-              <a:t>24/11/2020</a:t>
+              <a:t>25/11/2020</a:t>
             </a:fld>
             <a:endParaRPr lang="pt-BR"/>
           </a:p>
@@ -3762,7 +3422,7 @@
           <a:p>
             <a:fld id="{01E60E72-A911-464A-9CD1-5FBFA90C9CD7}" type="datetimeFigureOut">
               <a:rPr lang="pt-BR" smtClean="0"/>
-              <a:t>24/11/2020</a:t>
+              <a:t>25/11/2020</a:t>
             </a:fld>
             <a:endParaRPr lang="pt-BR"/>
           </a:p>
@@ -3875,7 +3535,7 @@
           <a:p>
             <a:fld id="{01E60E72-A911-464A-9CD1-5FBFA90C9CD7}" type="datetimeFigureOut">
               <a:rPr lang="pt-BR" smtClean="0"/>
-              <a:t>24/11/2020</a:t>
+              <a:t>25/11/2020</a:t>
             </a:fld>
             <a:endParaRPr lang="pt-BR"/>
           </a:p>
@@ -4186,7 +3846,7 @@
           <a:p>
             <a:fld id="{01E60E72-A911-464A-9CD1-5FBFA90C9CD7}" type="datetimeFigureOut">
               <a:rPr lang="pt-BR" smtClean="0"/>
-              <a:t>24/11/2020</a:t>
+              <a:t>25/11/2020</a:t>
             </a:fld>
             <a:endParaRPr lang="pt-BR"/>
           </a:p>
@@ -4474,7 +4134,7 @@
           <a:p>
             <a:fld id="{01E60E72-A911-464A-9CD1-5FBFA90C9CD7}" type="datetimeFigureOut">
               <a:rPr lang="pt-BR" smtClean="0"/>
-              <a:t>24/11/2020</a:t>
+              <a:t>25/11/2020</a:t>
             </a:fld>
             <a:endParaRPr lang="pt-BR"/>
           </a:p>
@@ -4715,7 +4375,7 @@
           <a:p>
             <a:fld id="{01E60E72-A911-464A-9CD1-5FBFA90C9CD7}" type="datetimeFigureOut">
               <a:rPr lang="pt-BR" smtClean="0"/>
-              <a:t>24/11/2020</a:t>
+              <a:t>25/11/2020</a:t>
             </a:fld>
             <a:endParaRPr lang="pt-BR"/>
           </a:p>
@@ -10959,781 +10619,17 @@
             <a:pPr algn="ctr"/>
             <a:r>
               <a:rPr lang="pt-BR" dirty="0"/>
-              <a:t>Devolução </a:t>
+              <a:t>Relatório de Vendas</a:t>
             </a:r>
           </a:p>
         </p:txBody>
       </p:sp>
-      <p:graphicFrame>
-        <p:nvGraphicFramePr>
-          <p:cNvPr id="3" name="Tabela 3">
-            <a:extLst>
-              <a:ext uri="{FF2B5EF4-FFF2-40B4-BE49-F238E27FC236}">
-                <a16:creationId xmlns:a16="http://schemas.microsoft.com/office/drawing/2014/main" id="{DC504EBC-014C-4086-9368-F733EB1C7FD3}"/>
-              </a:ext>
-            </a:extLst>
-          </p:cNvPr>
-          <p:cNvGraphicFramePr>
-            <a:graphicFrameLocks noGrp="1"/>
-          </p:cNvGraphicFramePr>
-          <p:nvPr/>
-        </p:nvGraphicFramePr>
-        <p:xfrm>
-          <a:off x="663387" y="1250711"/>
-          <a:ext cx="10865225" cy="4478418"/>
-        </p:xfrm>
-        <a:graphic>
-          <a:graphicData uri="http://schemas.openxmlformats.org/drawingml/2006/table">
-            <a:tbl>
-              <a:tblPr firstRow="1" bandRow="1">
-                <a:tableStyleId>{5C22544A-7EE6-4342-B048-85BDC9FD1C3A}</a:tableStyleId>
-              </a:tblPr>
-              <a:tblGrid>
-                <a:gridCol w="2173045">
-                  <a:extLst>
-                    <a:ext uri="{9D8B030D-6E8A-4147-A177-3AD203B41FA5}">
-                      <a16:colId xmlns:a16="http://schemas.microsoft.com/office/drawing/2014/main" val="2960009506"/>
-                    </a:ext>
-                  </a:extLst>
-                </a:gridCol>
-                <a:gridCol w="2173045">
-                  <a:extLst>
-                    <a:ext uri="{9D8B030D-6E8A-4147-A177-3AD203B41FA5}">
-                      <a16:colId xmlns:a16="http://schemas.microsoft.com/office/drawing/2014/main" val="4257416109"/>
-                    </a:ext>
-                  </a:extLst>
-                </a:gridCol>
-                <a:gridCol w="2173045">
-                  <a:extLst>
-                    <a:ext uri="{9D8B030D-6E8A-4147-A177-3AD203B41FA5}">
-                      <a16:colId xmlns:a16="http://schemas.microsoft.com/office/drawing/2014/main" val="1369885979"/>
-                    </a:ext>
-                  </a:extLst>
-                </a:gridCol>
-                <a:gridCol w="2173045">
-                  <a:extLst>
-                    <a:ext uri="{9D8B030D-6E8A-4147-A177-3AD203B41FA5}">
-                      <a16:colId xmlns:a16="http://schemas.microsoft.com/office/drawing/2014/main" val="1334941401"/>
-                    </a:ext>
-                  </a:extLst>
-                </a:gridCol>
-                <a:gridCol w="2173045">
-                  <a:extLst>
-                    <a:ext uri="{9D8B030D-6E8A-4147-A177-3AD203B41FA5}">
-                      <a16:colId xmlns:a16="http://schemas.microsoft.com/office/drawing/2014/main" val="2903353650"/>
-                    </a:ext>
-                  </a:extLst>
-                </a:gridCol>
-              </a:tblGrid>
-              <a:tr h="352461">
-                <a:tc>
-                  <a:txBody>
-                    <a:bodyPr/>
-                    <a:lstStyle/>
-                    <a:p>
-                      <a:r>
-                        <a:rPr lang="pt-BR" dirty="0"/>
-                        <a:t>Código de Barras</a:t>
-                      </a:r>
-                    </a:p>
-                  </a:txBody>
-                  <a:tcPr/>
-                </a:tc>
-                <a:tc>
-                  <a:txBody>
-                    <a:bodyPr/>
-                    <a:lstStyle/>
-                    <a:p>
-                      <a:r>
-                        <a:rPr lang="pt-BR" dirty="0"/>
-                        <a:t>Descrição </a:t>
-                      </a:r>
-                    </a:p>
-                  </a:txBody>
-                  <a:tcPr/>
-                </a:tc>
-                <a:tc>
-                  <a:txBody>
-                    <a:bodyPr/>
-                    <a:lstStyle/>
-                    <a:p>
-                      <a:r>
-                        <a:rPr lang="pt-BR" dirty="0"/>
-                        <a:t>Preço Unit.</a:t>
-                      </a:r>
-                    </a:p>
-                  </a:txBody>
-                  <a:tcPr/>
-                </a:tc>
-                <a:tc>
-                  <a:txBody>
-                    <a:bodyPr/>
-                    <a:lstStyle/>
-                    <a:p>
-                      <a:r>
-                        <a:rPr lang="pt-BR" dirty="0"/>
-                        <a:t>Quantidade</a:t>
-                      </a:r>
-                    </a:p>
-                  </a:txBody>
-                  <a:tcPr/>
-                </a:tc>
-                <a:tc>
-                  <a:txBody>
-                    <a:bodyPr/>
-                    <a:lstStyle/>
-                    <a:p>
-                      <a:r>
-                        <a:rPr lang="pt-BR" dirty="0"/>
-                        <a:t>Preço Total</a:t>
-                      </a:r>
-                    </a:p>
-                  </a:txBody>
-                  <a:tcPr/>
-                </a:tc>
-                <a:extLst>
-                  <a:ext uri="{0D108BD9-81ED-4DB2-BD59-A6C34878D82A}">
-                    <a16:rowId xmlns:a16="http://schemas.microsoft.com/office/drawing/2014/main" val="1213558502"/>
-                  </a:ext>
-                </a:extLst>
-              </a:tr>
-              <a:tr h="373878">
-                <a:tc>
-                  <a:txBody>
-                    <a:bodyPr/>
-                    <a:lstStyle/>
-                    <a:p>
-                      <a:endParaRPr lang="pt-BR"/>
-                    </a:p>
-                  </a:txBody>
-                  <a:tcPr/>
-                </a:tc>
-                <a:tc>
-                  <a:txBody>
-                    <a:bodyPr/>
-                    <a:lstStyle/>
-                    <a:p>
-                      <a:endParaRPr lang="pt-BR"/>
-                    </a:p>
-                  </a:txBody>
-                  <a:tcPr/>
-                </a:tc>
-                <a:tc>
-                  <a:txBody>
-                    <a:bodyPr/>
-                    <a:lstStyle/>
-                    <a:p>
-                      <a:endParaRPr lang="pt-BR"/>
-                    </a:p>
-                  </a:txBody>
-                  <a:tcPr/>
-                </a:tc>
-                <a:tc>
-                  <a:txBody>
-                    <a:bodyPr/>
-                    <a:lstStyle/>
-                    <a:p>
-                      <a:endParaRPr lang="pt-BR"/>
-                    </a:p>
-                  </a:txBody>
-                  <a:tcPr/>
-                </a:tc>
-                <a:tc>
-                  <a:txBody>
-                    <a:bodyPr/>
-                    <a:lstStyle/>
-                    <a:p>
-                      <a:endParaRPr lang="pt-BR"/>
-                    </a:p>
-                  </a:txBody>
-                  <a:tcPr/>
-                </a:tc>
-                <a:extLst>
-                  <a:ext uri="{0D108BD9-81ED-4DB2-BD59-A6C34878D82A}">
-                    <a16:rowId xmlns:a16="http://schemas.microsoft.com/office/drawing/2014/main" val="576253020"/>
-                  </a:ext>
-                </a:extLst>
-              </a:tr>
-              <a:tr h="373878">
-                <a:tc>
-                  <a:txBody>
-                    <a:bodyPr/>
-                    <a:lstStyle/>
-                    <a:p>
-                      <a:endParaRPr lang="pt-BR" dirty="0"/>
-                    </a:p>
-                  </a:txBody>
-                  <a:tcPr/>
-                </a:tc>
-                <a:tc>
-                  <a:txBody>
-                    <a:bodyPr/>
-                    <a:lstStyle/>
-                    <a:p>
-                      <a:endParaRPr lang="pt-BR"/>
-                    </a:p>
-                  </a:txBody>
-                  <a:tcPr/>
-                </a:tc>
-                <a:tc>
-                  <a:txBody>
-                    <a:bodyPr/>
-                    <a:lstStyle/>
-                    <a:p>
-                      <a:endParaRPr lang="pt-BR"/>
-                    </a:p>
-                  </a:txBody>
-                  <a:tcPr/>
-                </a:tc>
-                <a:tc>
-                  <a:txBody>
-                    <a:bodyPr/>
-                    <a:lstStyle/>
-                    <a:p>
-                      <a:endParaRPr lang="pt-BR" dirty="0"/>
-                    </a:p>
-                  </a:txBody>
-                  <a:tcPr/>
-                </a:tc>
-                <a:tc>
-                  <a:txBody>
-                    <a:bodyPr/>
-                    <a:lstStyle/>
-                    <a:p>
-                      <a:endParaRPr lang="pt-BR" dirty="0"/>
-                    </a:p>
-                  </a:txBody>
-                  <a:tcPr/>
-                </a:tc>
-                <a:extLst>
-                  <a:ext uri="{0D108BD9-81ED-4DB2-BD59-A6C34878D82A}">
-                    <a16:rowId xmlns:a16="http://schemas.microsoft.com/office/drawing/2014/main" val="3653939704"/>
-                  </a:ext>
-                </a:extLst>
-              </a:tr>
-              <a:tr h="373878">
-                <a:tc>
-                  <a:txBody>
-                    <a:bodyPr/>
-                    <a:lstStyle/>
-                    <a:p>
-                      <a:endParaRPr lang="pt-BR" dirty="0"/>
-                    </a:p>
-                  </a:txBody>
-                  <a:tcPr/>
-                </a:tc>
-                <a:tc>
-                  <a:txBody>
-                    <a:bodyPr/>
-                    <a:lstStyle/>
-                    <a:p>
-                      <a:endParaRPr lang="pt-BR"/>
-                    </a:p>
-                  </a:txBody>
-                  <a:tcPr/>
-                </a:tc>
-                <a:tc>
-                  <a:txBody>
-                    <a:bodyPr/>
-                    <a:lstStyle/>
-                    <a:p>
-                      <a:endParaRPr lang="pt-BR"/>
-                    </a:p>
-                  </a:txBody>
-                  <a:tcPr/>
-                </a:tc>
-                <a:tc>
-                  <a:txBody>
-                    <a:bodyPr/>
-                    <a:lstStyle/>
-                    <a:p>
-                      <a:endParaRPr lang="pt-BR"/>
-                    </a:p>
-                  </a:txBody>
-                  <a:tcPr/>
-                </a:tc>
-                <a:tc>
-                  <a:txBody>
-                    <a:bodyPr/>
-                    <a:lstStyle/>
-                    <a:p>
-                      <a:endParaRPr lang="pt-BR"/>
-                    </a:p>
-                  </a:txBody>
-                  <a:tcPr/>
-                </a:tc>
-                <a:extLst>
-                  <a:ext uri="{0D108BD9-81ED-4DB2-BD59-A6C34878D82A}">
-                    <a16:rowId xmlns:a16="http://schemas.microsoft.com/office/drawing/2014/main" val="3613635834"/>
-                  </a:ext>
-                </a:extLst>
-              </a:tr>
-              <a:tr h="373878">
-                <a:tc>
-                  <a:txBody>
-                    <a:bodyPr/>
-                    <a:lstStyle/>
-                    <a:p>
-                      <a:endParaRPr lang="pt-BR" dirty="0"/>
-                    </a:p>
-                  </a:txBody>
-                  <a:tcPr/>
-                </a:tc>
-                <a:tc>
-                  <a:txBody>
-                    <a:bodyPr/>
-                    <a:lstStyle/>
-                    <a:p>
-                      <a:endParaRPr lang="pt-BR" dirty="0"/>
-                    </a:p>
-                  </a:txBody>
-                  <a:tcPr/>
-                </a:tc>
-                <a:tc>
-                  <a:txBody>
-                    <a:bodyPr/>
-                    <a:lstStyle/>
-                    <a:p>
-                      <a:endParaRPr lang="pt-BR"/>
-                    </a:p>
-                  </a:txBody>
-                  <a:tcPr/>
-                </a:tc>
-                <a:tc>
-                  <a:txBody>
-                    <a:bodyPr/>
-                    <a:lstStyle/>
-                    <a:p>
-                      <a:endParaRPr lang="pt-BR"/>
-                    </a:p>
-                  </a:txBody>
-                  <a:tcPr/>
-                </a:tc>
-                <a:tc>
-                  <a:txBody>
-                    <a:bodyPr/>
-                    <a:lstStyle/>
-                    <a:p>
-                      <a:endParaRPr lang="pt-BR" dirty="0"/>
-                    </a:p>
-                  </a:txBody>
-                  <a:tcPr/>
-                </a:tc>
-                <a:extLst>
-                  <a:ext uri="{0D108BD9-81ED-4DB2-BD59-A6C34878D82A}">
-                    <a16:rowId xmlns:a16="http://schemas.microsoft.com/office/drawing/2014/main" val="1057969680"/>
-                  </a:ext>
-                </a:extLst>
-              </a:tr>
-              <a:tr h="373878">
-                <a:tc>
-                  <a:txBody>
-                    <a:bodyPr/>
-                    <a:lstStyle/>
-                    <a:p>
-                      <a:endParaRPr lang="pt-BR" dirty="0"/>
-                    </a:p>
-                  </a:txBody>
-                  <a:tcPr/>
-                </a:tc>
-                <a:tc>
-                  <a:txBody>
-                    <a:bodyPr/>
-                    <a:lstStyle/>
-                    <a:p>
-                      <a:endParaRPr lang="pt-BR" dirty="0"/>
-                    </a:p>
-                  </a:txBody>
-                  <a:tcPr/>
-                </a:tc>
-                <a:tc>
-                  <a:txBody>
-                    <a:bodyPr/>
-                    <a:lstStyle/>
-                    <a:p>
-                      <a:endParaRPr lang="pt-BR"/>
-                    </a:p>
-                  </a:txBody>
-                  <a:tcPr/>
-                </a:tc>
-                <a:tc>
-                  <a:txBody>
-                    <a:bodyPr/>
-                    <a:lstStyle/>
-                    <a:p>
-                      <a:endParaRPr lang="pt-BR" dirty="0"/>
-                    </a:p>
-                  </a:txBody>
-                  <a:tcPr/>
-                </a:tc>
-                <a:tc>
-                  <a:txBody>
-                    <a:bodyPr/>
-                    <a:lstStyle/>
-                    <a:p>
-                      <a:endParaRPr lang="pt-BR" dirty="0"/>
-                    </a:p>
-                  </a:txBody>
-                  <a:tcPr/>
-                </a:tc>
-                <a:extLst>
-                  <a:ext uri="{0D108BD9-81ED-4DB2-BD59-A6C34878D82A}">
-                    <a16:rowId xmlns:a16="http://schemas.microsoft.com/office/drawing/2014/main" val="4191382983"/>
-                  </a:ext>
-                </a:extLst>
-              </a:tr>
-              <a:tr h="373878">
-                <a:tc>
-                  <a:txBody>
-                    <a:bodyPr/>
-                    <a:lstStyle/>
-                    <a:p>
-                      <a:endParaRPr lang="pt-BR" dirty="0"/>
-                    </a:p>
-                  </a:txBody>
-                  <a:tcPr/>
-                </a:tc>
-                <a:tc>
-                  <a:txBody>
-                    <a:bodyPr/>
-                    <a:lstStyle/>
-                    <a:p>
-                      <a:endParaRPr lang="pt-BR" dirty="0"/>
-                    </a:p>
-                  </a:txBody>
-                  <a:tcPr/>
-                </a:tc>
-                <a:tc>
-                  <a:txBody>
-                    <a:bodyPr/>
-                    <a:lstStyle/>
-                    <a:p>
-                      <a:endParaRPr lang="pt-BR" dirty="0"/>
-                    </a:p>
-                  </a:txBody>
-                  <a:tcPr/>
-                </a:tc>
-                <a:tc>
-                  <a:txBody>
-                    <a:bodyPr/>
-                    <a:lstStyle/>
-                    <a:p>
-                      <a:endParaRPr lang="pt-BR"/>
-                    </a:p>
-                  </a:txBody>
-                  <a:tcPr/>
-                </a:tc>
-                <a:tc>
-                  <a:txBody>
-                    <a:bodyPr/>
-                    <a:lstStyle/>
-                    <a:p>
-                      <a:endParaRPr lang="pt-BR" dirty="0"/>
-                    </a:p>
-                  </a:txBody>
-                  <a:tcPr/>
-                </a:tc>
-                <a:extLst>
-                  <a:ext uri="{0D108BD9-81ED-4DB2-BD59-A6C34878D82A}">
-                    <a16:rowId xmlns:a16="http://schemas.microsoft.com/office/drawing/2014/main" val="4207309648"/>
-                  </a:ext>
-                </a:extLst>
-              </a:tr>
-              <a:tr h="373878">
-                <a:tc>
-                  <a:txBody>
-                    <a:bodyPr/>
-                    <a:lstStyle/>
-                    <a:p>
-                      <a:endParaRPr lang="pt-BR" dirty="0"/>
-                    </a:p>
-                  </a:txBody>
-                  <a:tcPr/>
-                </a:tc>
-                <a:tc>
-                  <a:txBody>
-                    <a:bodyPr/>
-                    <a:lstStyle/>
-                    <a:p>
-                      <a:endParaRPr lang="pt-BR" dirty="0"/>
-                    </a:p>
-                  </a:txBody>
-                  <a:tcPr/>
-                </a:tc>
-                <a:tc>
-                  <a:txBody>
-                    <a:bodyPr/>
-                    <a:lstStyle/>
-                    <a:p>
-                      <a:endParaRPr lang="pt-BR" dirty="0"/>
-                    </a:p>
-                  </a:txBody>
-                  <a:tcPr/>
-                </a:tc>
-                <a:tc>
-                  <a:txBody>
-                    <a:bodyPr/>
-                    <a:lstStyle/>
-                    <a:p>
-                      <a:endParaRPr lang="pt-BR"/>
-                    </a:p>
-                  </a:txBody>
-                  <a:tcPr/>
-                </a:tc>
-                <a:tc>
-                  <a:txBody>
-                    <a:bodyPr/>
-                    <a:lstStyle/>
-                    <a:p>
-                      <a:endParaRPr lang="pt-BR"/>
-                    </a:p>
-                  </a:txBody>
-                  <a:tcPr/>
-                </a:tc>
-                <a:extLst>
-                  <a:ext uri="{0D108BD9-81ED-4DB2-BD59-A6C34878D82A}">
-                    <a16:rowId xmlns:a16="http://schemas.microsoft.com/office/drawing/2014/main" val="2452276152"/>
-                  </a:ext>
-                </a:extLst>
-              </a:tr>
-              <a:tr h="373878">
-                <a:tc>
-                  <a:txBody>
-                    <a:bodyPr/>
-                    <a:lstStyle/>
-                    <a:p>
-                      <a:endParaRPr lang="pt-BR"/>
-                    </a:p>
-                  </a:txBody>
-                  <a:tcPr/>
-                </a:tc>
-                <a:tc>
-                  <a:txBody>
-                    <a:bodyPr/>
-                    <a:lstStyle/>
-                    <a:p>
-                      <a:endParaRPr lang="pt-BR"/>
-                    </a:p>
-                  </a:txBody>
-                  <a:tcPr/>
-                </a:tc>
-                <a:tc>
-                  <a:txBody>
-                    <a:bodyPr/>
-                    <a:lstStyle/>
-                    <a:p>
-                      <a:endParaRPr lang="pt-BR" dirty="0"/>
-                    </a:p>
-                  </a:txBody>
-                  <a:tcPr/>
-                </a:tc>
-                <a:tc>
-                  <a:txBody>
-                    <a:bodyPr/>
-                    <a:lstStyle/>
-                    <a:p>
-                      <a:endParaRPr lang="pt-BR"/>
-                    </a:p>
-                  </a:txBody>
-                  <a:tcPr/>
-                </a:tc>
-                <a:tc>
-                  <a:txBody>
-                    <a:bodyPr/>
-                    <a:lstStyle/>
-                    <a:p>
-                      <a:endParaRPr lang="pt-BR"/>
-                    </a:p>
-                  </a:txBody>
-                  <a:tcPr/>
-                </a:tc>
-                <a:extLst>
-                  <a:ext uri="{0D108BD9-81ED-4DB2-BD59-A6C34878D82A}">
-                    <a16:rowId xmlns:a16="http://schemas.microsoft.com/office/drawing/2014/main" val="740964325"/>
-                  </a:ext>
-                </a:extLst>
-              </a:tr>
-              <a:tr h="373878">
-                <a:tc>
-                  <a:txBody>
-                    <a:bodyPr/>
-                    <a:lstStyle/>
-                    <a:p>
-                      <a:endParaRPr lang="pt-BR"/>
-                    </a:p>
-                  </a:txBody>
-                  <a:tcPr/>
-                </a:tc>
-                <a:tc>
-                  <a:txBody>
-                    <a:bodyPr/>
-                    <a:lstStyle/>
-                    <a:p>
-                      <a:endParaRPr lang="pt-BR"/>
-                    </a:p>
-                  </a:txBody>
-                  <a:tcPr/>
-                </a:tc>
-                <a:tc>
-                  <a:txBody>
-                    <a:bodyPr/>
-                    <a:lstStyle/>
-                    <a:p>
-                      <a:endParaRPr lang="pt-BR" dirty="0"/>
-                    </a:p>
-                  </a:txBody>
-                  <a:tcPr/>
-                </a:tc>
-                <a:tc>
-                  <a:txBody>
-                    <a:bodyPr/>
-                    <a:lstStyle/>
-                    <a:p>
-                      <a:endParaRPr lang="pt-BR"/>
-                    </a:p>
-                  </a:txBody>
-                  <a:tcPr/>
-                </a:tc>
-                <a:tc>
-                  <a:txBody>
-                    <a:bodyPr/>
-                    <a:lstStyle/>
-                    <a:p>
-                      <a:endParaRPr lang="pt-BR" dirty="0"/>
-                    </a:p>
-                  </a:txBody>
-                  <a:tcPr/>
-                </a:tc>
-                <a:extLst>
-                  <a:ext uri="{0D108BD9-81ED-4DB2-BD59-A6C34878D82A}">
-                    <a16:rowId xmlns:a16="http://schemas.microsoft.com/office/drawing/2014/main" val="3759794719"/>
-                  </a:ext>
-                </a:extLst>
-              </a:tr>
-              <a:tr h="373878">
-                <a:tc>
-                  <a:txBody>
-                    <a:bodyPr/>
-                    <a:lstStyle/>
-                    <a:p>
-                      <a:endParaRPr lang="pt-BR"/>
-                    </a:p>
-                  </a:txBody>
-                  <a:tcPr/>
-                </a:tc>
-                <a:tc>
-                  <a:txBody>
-                    <a:bodyPr/>
-                    <a:lstStyle/>
-                    <a:p>
-                      <a:endParaRPr lang="pt-BR"/>
-                    </a:p>
-                  </a:txBody>
-                  <a:tcPr/>
-                </a:tc>
-                <a:tc>
-                  <a:txBody>
-                    <a:bodyPr/>
-                    <a:lstStyle/>
-                    <a:p>
-                      <a:endParaRPr lang="pt-BR" dirty="0"/>
-                    </a:p>
-                  </a:txBody>
-                  <a:tcPr/>
-                </a:tc>
-                <a:tc>
-                  <a:txBody>
-                    <a:bodyPr/>
-                    <a:lstStyle/>
-                    <a:p>
-                      <a:endParaRPr lang="pt-BR"/>
-                    </a:p>
-                  </a:txBody>
-                  <a:tcPr/>
-                </a:tc>
-                <a:tc>
-                  <a:txBody>
-                    <a:bodyPr/>
-                    <a:lstStyle/>
-                    <a:p>
-                      <a:endParaRPr lang="pt-BR"/>
-                    </a:p>
-                  </a:txBody>
-                  <a:tcPr/>
-                </a:tc>
-                <a:extLst>
-                  <a:ext uri="{0D108BD9-81ED-4DB2-BD59-A6C34878D82A}">
-                    <a16:rowId xmlns:a16="http://schemas.microsoft.com/office/drawing/2014/main" val="2584524710"/>
-                  </a:ext>
-                </a:extLst>
-              </a:tr>
-              <a:tr h="373878">
-                <a:tc>
-                  <a:txBody>
-                    <a:bodyPr/>
-                    <a:lstStyle/>
-                    <a:p>
-                      <a:endParaRPr lang="pt-BR"/>
-                    </a:p>
-                  </a:txBody>
-                  <a:tcPr/>
-                </a:tc>
-                <a:tc>
-                  <a:txBody>
-                    <a:bodyPr/>
-                    <a:lstStyle/>
-                    <a:p>
-                      <a:endParaRPr lang="pt-BR" dirty="0"/>
-                    </a:p>
-                  </a:txBody>
-                  <a:tcPr/>
-                </a:tc>
-                <a:tc>
-                  <a:txBody>
-                    <a:bodyPr/>
-                    <a:lstStyle/>
-                    <a:p>
-                      <a:endParaRPr lang="pt-BR"/>
-                    </a:p>
-                  </a:txBody>
-                  <a:tcPr/>
-                </a:tc>
-                <a:tc>
-                  <a:txBody>
-                    <a:bodyPr/>
-                    <a:lstStyle/>
-                    <a:p>
-                      <a:endParaRPr lang="pt-BR"/>
-                    </a:p>
-                  </a:txBody>
-                  <a:tcPr/>
-                </a:tc>
-                <a:tc>
-                  <a:txBody>
-                    <a:bodyPr/>
-                    <a:lstStyle/>
-                    <a:p>
-                      <a:endParaRPr lang="pt-BR" dirty="0"/>
-                    </a:p>
-                  </a:txBody>
-                  <a:tcPr/>
-                </a:tc>
-                <a:extLst>
-                  <a:ext uri="{0D108BD9-81ED-4DB2-BD59-A6C34878D82A}">
-                    <a16:rowId xmlns:a16="http://schemas.microsoft.com/office/drawing/2014/main" val="2167485834"/>
-                  </a:ext>
-                </a:extLst>
-              </a:tr>
-            </a:tbl>
-          </a:graphicData>
-        </a:graphic>
-      </p:graphicFrame>
-      <p:sp>
-        <p:nvSpPr>
-          <p:cNvPr id="4" name="Retângulo 3">
-            <a:extLst>
-              <a:ext uri="{FF2B5EF4-FFF2-40B4-BE49-F238E27FC236}">
-                <a16:creationId xmlns:a16="http://schemas.microsoft.com/office/drawing/2014/main" id="{43599E5F-2392-4891-A035-ADF803094FCE}"/>
+      <p:sp>
+        <p:nvSpPr>
+          <p:cNvPr id="30" name="Retângulo 29">
+            <a:extLst>
+              <a:ext uri="{FF2B5EF4-FFF2-40B4-BE49-F238E27FC236}">
+                <a16:creationId xmlns:a16="http://schemas.microsoft.com/office/drawing/2014/main" id="{E3BA43C9-3564-49AC-8185-E441C7C4B9C8}"/>
               </a:ext>
             </a:extLst>
           </p:cNvPr>
@@ -11742,479 +10638,7 @@
         </p:nvSpPr>
         <p:spPr>
           <a:xfrm>
-            <a:off x="1653388" y="648912"/>
-            <a:ext cx="2474259" cy="412377"/>
-          </a:xfrm>
-          <a:prstGeom prst="rect">
-            <a:avLst/>
-          </a:prstGeom>
-        </p:spPr>
-        <p:style>
-          <a:lnRef idx="2">
-            <a:schemeClr val="accent1">
-              <a:shade val="50000"/>
-            </a:schemeClr>
-          </a:lnRef>
-          <a:fillRef idx="1">
-            <a:schemeClr val="accent1"/>
-          </a:fillRef>
-          <a:effectRef idx="0">
-            <a:schemeClr val="accent1"/>
-          </a:effectRef>
-          <a:fontRef idx="minor">
-            <a:schemeClr val="lt1"/>
-          </a:fontRef>
-        </p:style>
-        <p:txBody>
-          <a:bodyPr rtlCol="0" anchor="ctr"/>
-          <a:lstStyle/>
-          <a:p>
-            <a:pPr algn="ctr"/>
-            <a:endParaRPr lang="pt-BR" dirty="0"/>
-          </a:p>
-        </p:txBody>
-      </p:sp>
-      <p:sp>
-        <p:nvSpPr>
-          <p:cNvPr id="5" name="CaixaDeTexto 4">
-            <a:extLst>
-              <a:ext uri="{FF2B5EF4-FFF2-40B4-BE49-F238E27FC236}">
-                <a16:creationId xmlns:a16="http://schemas.microsoft.com/office/drawing/2014/main" id="{6A1EA18C-054B-4560-A1E2-DCD98705953A}"/>
-              </a:ext>
-            </a:extLst>
-          </p:cNvPr>
-          <p:cNvSpPr txBox="1"/>
-          <p:nvPr/>
-        </p:nvSpPr>
-        <p:spPr>
-          <a:xfrm>
-            <a:off x="663387" y="691957"/>
-            <a:ext cx="990001" cy="369332"/>
-          </a:xfrm>
-          <a:prstGeom prst="rect">
-            <a:avLst/>
-          </a:prstGeom>
-          <a:noFill/>
-        </p:spPr>
-        <p:txBody>
-          <a:bodyPr wrap="square" rtlCol="0">
-            <a:spAutoFit/>
-          </a:bodyPr>
-          <a:lstStyle/>
-          <a:p>
-            <a:r>
-              <a:rPr lang="pt-BR" dirty="0"/>
-              <a:t>Código:</a:t>
-            </a:r>
-          </a:p>
-        </p:txBody>
-      </p:sp>
-      <p:sp>
-        <p:nvSpPr>
-          <p:cNvPr id="7" name="Retângulo 6">
-            <a:extLst>
-              <a:ext uri="{FF2B5EF4-FFF2-40B4-BE49-F238E27FC236}">
-                <a16:creationId xmlns:a16="http://schemas.microsoft.com/office/drawing/2014/main" id="{CBA72B88-5E6E-4641-A324-96B0043D5DDC}"/>
-              </a:ext>
-            </a:extLst>
-          </p:cNvPr>
-          <p:cNvSpPr/>
-          <p:nvPr/>
-        </p:nvSpPr>
-        <p:spPr>
-          <a:xfrm>
-            <a:off x="5806139" y="648912"/>
-            <a:ext cx="2474259" cy="412377"/>
-          </a:xfrm>
-          <a:prstGeom prst="rect">
-            <a:avLst/>
-          </a:prstGeom>
-        </p:spPr>
-        <p:style>
-          <a:lnRef idx="2">
-            <a:schemeClr val="accent1">
-              <a:shade val="50000"/>
-            </a:schemeClr>
-          </a:lnRef>
-          <a:fillRef idx="1">
-            <a:schemeClr val="accent1"/>
-          </a:fillRef>
-          <a:effectRef idx="0">
-            <a:schemeClr val="accent1"/>
-          </a:effectRef>
-          <a:fontRef idx="minor">
-            <a:schemeClr val="lt1"/>
-          </a:fontRef>
-        </p:style>
-        <p:txBody>
-          <a:bodyPr rtlCol="0" anchor="ctr"/>
-          <a:lstStyle/>
-          <a:p>
-            <a:pPr algn="ctr"/>
-            <a:endParaRPr lang="pt-BR" dirty="0"/>
-          </a:p>
-        </p:txBody>
-      </p:sp>
-      <p:sp>
-        <p:nvSpPr>
-          <p:cNvPr id="8" name="CaixaDeTexto 7">
-            <a:extLst>
-              <a:ext uri="{FF2B5EF4-FFF2-40B4-BE49-F238E27FC236}">
-                <a16:creationId xmlns:a16="http://schemas.microsoft.com/office/drawing/2014/main" id="{2BF228F8-26EF-45DB-BE72-C9C89B5FAE8E}"/>
-              </a:ext>
-            </a:extLst>
-          </p:cNvPr>
-          <p:cNvSpPr txBox="1"/>
-          <p:nvPr/>
-        </p:nvSpPr>
-        <p:spPr>
-          <a:xfrm>
-            <a:off x="4407645" y="691957"/>
-            <a:ext cx="1461249" cy="369332"/>
-          </a:xfrm>
-          <a:prstGeom prst="rect">
-            <a:avLst/>
-          </a:prstGeom>
-          <a:noFill/>
-        </p:spPr>
-        <p:txBody>
-          <a:bodyPr wrap="square" rtlCol="0">
-            <a:spAutoFit/>
-          </a:bodyPr>
-          <a:lstStyle/>
-          <a:p>
-            <a:r>
-              <a:rPr lang="pt-BR" dirty="0"/>
-              <a:t>Quantidade:</a:t>
-            </a:r>
-          </a:p>
-        </p:txBody>
-      </p:sp>
-      <p:sp>
-        <p:nvSpPr>
-          <p:cNvPr id="12" name="Retângulo 11">
-            <a:extLst>
-              <a:ext uri="{FF2B5EF4-FFF2-40B4-BE49-F238E27FC236}">
-                <a16:creationId xmlns:a16="http://schemas.microsoft.com/office/drawing/2014/main" id="{7D064FB6-7655-43EC-B1E8-AC1EBD383542}"/>
-              </a:ext>
-            </a:extLst>
-          </p:cNvPr>
-          <p:cNvSpPr/>
-          <p:nvPr/>
-        </p:nvSpPr>
-        <p:spPr>
-          <a:xfrm>
-            <a:off x="9613151" y="694085"/>
-            <a:ext cx="2474259" cy="412377"/>
-          </a:xfrm>
-          <a:prstGeom prst="rect">
-            <a:avLst/>
-          </a:prstGeom>
-        </p:spPr>
-        <p:style>
-          <a:lnRef idx="2">
-            <a:schemeClr val="accent1">
-              <a:shade val="50000"/>
-            </a:schemeClr>
-          </a:lnRef>
-          <a:fillRef idx="1">
-            <a:schemeClr val="accent1"/>
-          </a:fillRef>
-          <a:effectRef idx="0">
-            <a:schemeClr val="accent1"/>
-          </a:effectRef>
-          <a:fontRef idx="minor">
-            <a:schemeClr val="lt1"/>
-          </a:fontRef>
-        </p:style>
-        <p:txBody>
-          <a:bodyPr rtlCol="0" anchor="ctr"/>
-          <a:lstStyle/>
-          <a:p>
-            <a:pPr algn="ctr"/>
-            <a:r>
-              <a:rPr lang="pt-BR" dirty="0"/>
-              <a:t>Adicionar</a:t>
-            </a:r>
-          </a:p>
-        </p:txBody>
-      </p:sp>
-      <p:sp>
-        <p:nvSpPr>
-          <p:cNvPr id="14" name="Retângulo 13">
-            <a:extLst>
-              <a:ext uri="{FF2B5EF4-FFF2-40B4-BE49-F238E27FC236}">
-                <a16:creationId xmlns:a16="http://schemas.microsoft.com/office/drawing/2014/main" id="{3776E7FF-7505-430E-A5FE-ABFC00B2700E}"/>
-              </a:ext>
-            </a:extLst>
-          </p:cNvPr>
-          <p:cNvSpPr/>
-          <p:nvPr/>
-        </p:nvSpPr>
-        <p:spPr>
-          <a:xfrm>
-            <a:off x="695810" y="6293689"/>
-            <a:ext cx="2474259" cy="412377"/>
-          </a:xfrm>
-          <a:prstGeom prst="rect">
-            <a:avLst/>
-          </a:prstGeom>
-        </p:spPr>
-        <p:style>
-          <a:lnRef idx="2">
-            <a:schemeClr val="accent1">
-              <a:shade val="50000"/>
-            </a:schemeClr>
-          </a:lnRef>
-          <a:fillRef idx="1">
-            <a:schemeClr val="accent1"/>
-          </a:fillRef>
-          <a:effectRef idx="0">
-            <a:schemeClr val="accent1"/>
-          </a:effectRef>
-          <a:fontRef idx="minor">
-            <a:schemeClr val="lt1"/>
-          </a:fontRef>
-        </p:style>
-        <p:txBody>
-          <a:bodyPr rtlCol="0" anchor="ctr"/>
-          <a:lstStyle/>
-          <a:p>
-            <a:pPr algn="ctr"/>
-            <a:r>
-              <a:rPr lang="pt-BR" dirty="0"/>
-              <a:t>Deletar</a:t>
-            </a:r>
-          </a:p>
-        </p:txBody>
-      </p:sp>
-      <p:sp>
-        <p:nvSpPr>
-          <p:cNvPr id="16" name="Retângulo 15">
-            <a:extLst>
-              <a:ext uri="{FF2B5EF4-FFF2-40B4-BE49-F238E27FC236}">
-                <a16:creationId xmlns:a16="http://schemas.microsoft.com/office/drawing/2014/main" id="{5C0E5342-2265-4258-9F1B-EEF2FAD83460}"/>
-              </a:ext>
-            </a:extLst>
-          </p:cNvPr>
-          <p:cNvSpPr/>
-          <p:nvPr/>
-        </p:nvSpPr>
-        <p:spPr>
-          <a:xfrm>
-            <a:off x="9054353" y="6293689"/>
-            <a:ext cx="2474259" cy="412377"/>
-          </a:xfrm>
-          <a:prstGeom prst="rect">
-            <a:avLst/>
-          </a:prstGeom>
-        </p:spPr>
-        <p:style>
-          <a:lnRef idx="2">
-            <a:schemeClr val="accent1">
-              <a:shade val="50000"/>
-            </a:schemeClr>
-          </a:lnRef>
-          <a:fillRef idx="1">
-            <a:schemeClr val="accent1"/>
-          </a:fillRef>
-          <a:effectRef idx="0">
-            <a:schemeClr val="accent1"/>
-          </a:effectRef>
-          <a:fontRef idx="minor">
-            <a:schemeClr val="lt1"/>
-          </a:fontRef>
-        </p:style>
-        <p:txBody>
-          <a:bodyPr rtlCol="0" anchor="ctr"/>
-          <a:lstStyle/>
-          <a:p>
-            <a:pPr algn="ctr"/>
-            <a:r>
-              <a:rPr lang="pt-BR" dirty="0"/>
-              <a:t>Concluir Devolução </a:t>
-            </a:r>
-          </a:p>
-        </p:txBody>
-      </p:sp>
-      <p:sp>
-        <p:nvSpPr>
-          <p:cNvPr id="18" name="CaixaDeTexto 17">
-            <a:extLst>
-              <a:ext uri="{FF2B5EF4-FFF2-40B4-BE49-F238E27FC236}">
-                <a16:creationId xmlns:a16="http://schemas.microsoft.com/office/drawing/2014/main" id="{659E6B77-79DD-4A4E-BAD5-D3488B5275CA}"/>
-              </a:ext>
-            </a:extLst>
-          </p:cNvPr>
-          <p:cNvSpPr txBox="1"/>
-          <p:nvPr/>
-        </p:nvSpPr>
-        <p:spPr>
-          <a:xfrm>
-            <a:off x="8830238" y="5794583"/>
-            <a:ext cx="2698374" cy="369332"/>
-          </a:xfrm>
-          <a:prstGeom prst="rect">
-            <a:avLst/>
-          </a:prstGeom>
-          <a:noFill/>
-        </p:spPr>
-        <p:txBody>
-          <a:bodyPr wrap="square" rtlCol="0">
-            <a:spAutoFit/>
-          </a:bodyPr>
-          <a:lstStyle/>
-          <a:p>
-            <a:r>
-              <a:rPr lang="pt-BR" dirty="0"/>
-              <a:t>Total Final:_____________</a:t>
-            </a:r>
-          </a:p>
-        </p:txBody>
-      </p:sp>
-    </p:spTree>
-    <p:extLst>
-      <p:ext uri="{BB962C8B-B14F-4D97-AF65-F5344CB8AC3E}">
-        <p14:creationId xmlns:p14="http://schemas.microsoft.com/office/powerpoint/2010/main" val="1677695278"/>
-      </p:ext>
-    </p:extLst>
-  </p:cSld>
-  <p:clrMapOvr>
-    <a:masterClrMapping/>
-  </p:clrMapOvr>
-</p:sld>
-</file>
-
-<file path=ppt/slides/slide17.xml><?xml version="1.0" encoding="utf-8"?>
-<p:sld xmlns:a="http://schemas.openxmlformats.org/drawingml/2006/main" xmlns:r="http://schemas.openxmlformats.org/officeDocument/2006/relationships" xmlns:p="http://schemas.openxmlformats.org/presentationml/2006/main">
-  <p:cSld>
-    <p:spTree>
-      <p:nvGrpSpPr>
-        <p:cNvPr id="1" name=""/>
-        <p:cNvGrpSpPr/>
-        <p:nvPr/>
-      </p:nvGrpSpPr>
-      <p:grpSpPr>
-        <a:xfrm>
-          <a:off x="0" y="0"/>
-          <a:ext cx="0" cy="0"/>
-          <a:chOff x="0" y="0"/>
-          <a:chExt cx="0" cy="0"/>
-        </a:xfrm>
-      </p:grpSpPr>
-      <p:sp>
-        <p:nvSpPr>
-          <p:cNvPr id="2" name="Retângulo 1">
-            <a:extLst>
-              <a:ext uri="{FF2B5EF4-FFF2-40B4-BE49-F238E27FC236}">
-                <a16:creationId xmlns:a16="http://schemas.microsoft.com/office/drawing/2014/main" id="{FA694BDA-0AC4-4F8A-B189-751FA7346519}"/>
-              </a:ext>
-            </a:extLst>
-          </p:cNvPr>
-          <p:cNvSpPr/>
-          <p:nvPr/>
-        </p:nvSpPr>
-        <p:spPr>
-          <a:xfrm>
-            <a:off x="0" y="-35858"/>
-            <a:ext cx="12192000" cy="585694"/>
-          </a:xfrm>
-          <a:prstGeom prst="rect">
-            <a:avLst/>
-          </a:prstGeom>
-        </p:spPr>
-        <p:style>
-          <a:lnRef idx="2">
-            <a:schemeClr val="accent1">
-              <a:shade val="50000"/>
-            </a:schemeClr>
-          </a:lnRef>
-          <a:fillRef idx="1">
-            <a:schemeClr val="accent1"/>
-          </a:fillRef>
-          <a:effectRef idx="0">
-            <a:schemeClr val="accent1"/>
-          </a:effectRef>
-          <a:fontRef idx="minor">
-            <a:schemeClr val="lt1"/>
-          </a:fontRef>
-        </p:style>
-        <p:txBody>
-          <a:bodyPr rtlCol="0" anchor="ctr"/>
-          <a:lstStyle/>
-          <a:p>
-            <a:pPr algn="ctr"/>
-            <a:r>
-              <a:rPr lang="pt-BR" dirty="0"/>
-              <a:t>Listagem de Devoluções </a:t>
-            </a:r>
-          </a:p>
-        </p:txBody>
-      </p:sp>
-      <p:sp>
-        <p:nvSpPr>
-          <p:cNvPr id="28" name="Retângulo 27">
-            <a:extLst>
-              <a:ext uri="{FF2B5EF4-FFF2-40B4-BE49-F238E27FC236}">
-                <a16:creationId xmlns:a16="http://schemas.microsoft.com/office/drawing/2014/main" id="{5F1420FA-D5E3-47DC-8EA3-C06EF017BC5F}"/>
-              </a:ext>
-            </a:extLst>
-          </p:cNvPr>
-          <p:cNvSpPr/>
-          <p:nvPr/>
-        </p:nvSpPr>
-        <p:spPr>
-          <a:xfrm>
-            <a:off x="9717741" y="6272306"/>
-            <a:ext cx="2474259" cy="585694"/>
-          </a:xfrm>
-          <a:prstGeom prst="rect">
-            <a:avLst/>
-          </a:prstGeom>
-        </p:spPr>
-        <p:style>
-          <a:lnRef idx="2">
-            <a:schemeClr val="accent1">
-              <a:shade val="50000"/>
-            </a:schemeClr>
-          </a:lnRef>
-          <a:fillRef idx="1">
-            <a:schemeClr val="accent1"/>
-          </a:fillRef>
-          <a:effectRef idx="0">
-            <a:schemeClr val="accent1"/>
-          </a:effectRef>
-          <a:fontRef idx="minor">
-            <a:schemeClr val="lt1"/>
-          </a:fontRef>
-        </p:style>
-        <p:txBody>
-          <a:bodyPr rtlCol="0" anchor="ctr"/>
-          <a:lstStyle/>
-          <a:p>
-            <a:pPr algn="ctr"/>
-            <a:r>
-              <a:rPr lang="pt-BR" dirty="0"/>
-              <a:t>Consultar</a:t>
-            </a:r>
-          </a:p>
-        </p:txBody>
-      </p:sp>
-      <p:sp>
-        <p:nvSpPr>
-          <p:cNvPr id="30" name="Retângulo 29">
-            <a:extLst>
-              <a:ext uri="{FF2B5EF4-FFF2-40B4-BE49-F238E27FC236}">
-                <a16:creationId xmlns:a16="http://schemas.microsoft.com/office/drawing/2014/main" id="{E3BA43C9-3564-49AC-8185-E441C7C4B9C8}"/>
-              </a:ext>
-            </a:extLst>
-          </p:cNvPr>
-          <p:cNvSpPr/>
-          <p:nvPr/>
-        </p:nvSpPr>
-        <p:spPr>
-          <a:xfrm>
-            <a:off x="7043269" y="6272306"/>
+            <a:off x="9036424" y="6207608"/>
             <a:ext cx="2474259" cy="585694"/>
           </a:xfrm>
           <a:prstGeom prst="rect">
@@ -13127,2004 +11551,6 @@
           </a:graphicData>
         </a:graphic>
       </p:graphicFrame>
-    </p:spTree>
-    <p:extLst>
-      <p:ext uri="{BB962C8B-B14F-4D97-AF65-F5344CB8AC3E}">
-        <p14:creationId xmlns:p14="http://schemas.microsoft.com/office/powerpoint/2010/main" val="2661871887"/>
-      </p:ext>
-    </p:extLst>
-  </p:cSld>
-  <p:clrMapOvr>
-    <a:masterClrMapping/>
-  </p:clrMapOvr>
-</p:sld>
-</file>
-
-<file path=ppt/slides/slide18.xml><?xml version="1.0" encoding="utf-8"?>
-<p:sld xmlns:a="http://schemas.openxmlformats.org/drawingml/2006/main" xmlns:r="http://schemas.openxmlformats.org/officeDocument/2006/relationships" xmlns:p="http://schemas.openxmlformats.org/presentationml/2006/main">
-  <p:cSld>
-    <p:spTree>
-      <p:nvGrpSpPr>
-        <p:cNvPr id="1" name=""/>
-        <p:cNvGrpSpPr/>
-        <p:nvPr/>
-      </p:nvGrpSpPr>
-      <p:grpSpPr>
-        <a:xfrm>
-          <a:off x="0" y="0"/>
-          <a:ext cx="0" cy="0"/>
-          <a:chOff x="0" y="0"/>
-          <a:chExt cx="0" cy="0"/>
-        </a:xfrm>
-      </p:grpSpPr>
-      <p:sp>
-        <p:nvSpPr>
-          <p:cNvPr id="2" name="Retângulo 1">
-            <a:extLst>
-              <a:ext uri="{FF2B5EF4-FFF2-40B4-BE49-F238E27FC236}">
-                <a16:creationId xmlns:a16="http://schemas.microsoft.com/office/drawing/2014/main" id="{FA694BDA-0AC4-4F8A-B189-751FA7346519}"/>
-              </a:ext>
-            </a:extLst>
-          </p:cNvPr>
-          <p:cNvSpPr/>
-          <p:nvPr/>
-        </p:nvSpPr>
-        <p:spPr>
-          <a:xfrm>
-            <a:off x="0" y="-35858"/>
-            <a:ext cx="12192000" cy="585694"/>
-          </a:xfrm>
-          <a:prstGeom prst="rect">
-            <a:avLst/>
-          </a:prstGeom>
-        </p:spPr>
-        <p:style>
-          <a:lnRef idx="2">
-            <a:schemeClr val="accent1">
-              <a:shade val="50000"/>
-            </a:schemeClr>
-          </a:lnRef>
-          <a:fillRef idx="1">
-            <a:schemeClr val="accent1"/>
-          </a:fillRef>
-          <a:effectRef idx="0">
-            <a:schemeClr val="accent1"/>
-          </a:effectRef>
-          <a:fontRef idx="minor">
-            <a:schemeClr val="lt1"/>
-          </a:fontRef>
-        </p:style>
-        <p:txBody>
-          <a:bodyPr rtlCol="0" anchor="ctr"/>
-          <a:lstStyle/>
-          <a:p>
-            <a:pPr algn="ctr"/>
-            <a:r>
-              <a:rPr lang="pt-BR" dirty="0"/>
-              <a:t>Consultar Devoluções</a:t>
-            </a:r>
-          </a:p>
-        </p:txBody>
-      </p:sp>
-      <p:graphicFrame>
-        <p:nvGraphicFramePr>
-          <p:cNvPr id="3" name="Tabela 3">
-            <a:extLst>
-              <a:ext uri="{FF2B5EF4-FFF2-40B4-BE49-F238E27FC236}">
-                <a16:creationId xmlns:a16="http://schemas.microsoft.com/office/drawing/2014/main" id="{DC504EBC-014C-4086-9368-F733EB1C7FD3}"/>
-              </a:ext>
-            </a:extLst>
-          </p:cNvPr>
-          <p:cNvGraphicFramePr>
-            <a:graphicFrameLocks noGrp="1"/>
-          </p:cNvGraphicFramePr>
-          <p:nvPr/>
-        </p:nvGraphicFramePr>
-        <p:xfrm>
-          <a:off x="663387" y="808675"/>
-          <a:ext cx="10865225" cy="5226174"/>
-        </p:xfrm>
-        <a:graphic>
-          <a:graphicData uri="http://schemas.openxmlformats.org/drawingml/2006/table">
-            <a:tbl>
-              <a:tblPr firstRow="1" bandRow="1">
-                <a:tableStyleId>{5C22544A-7EE6-4342-B048-85BDC9FD1C3A}</a:tableStyleId>
-              </a:tblPr>
-              <a:tblGrid>
-                <a:gridCol w="2173045">
-                  <a:extLst>
-                    <a:ext uri="{9D8B030D-6E8A-4147-A177-3AD203B41FA5}">
-                      <a16:colId xmlns:a16="http://schemas.microsoft.com/office/drawing/2014/main" val="2960009506"/>
-                    </a:ext>
-                  </a:extLst>
-                </a:gridCol>
-                <a:gridCol w="2173045">
-                  <a:extLst>
-                    <a:ext uri="{9D8B030D-6E8A-4147-A177-3AD203B41FA5}">
-                      <a16:colId xmlns:a16="http://schemas.microsoft.com/office/drawing/2014/main" val="4257416109"/>
-                    </a:ext>
-                  </a:extLst>
-                </a:gridCol>
-                <a:gridCol w="2173045">
-                  <a:extLst>
-                    <a:ext uri="{9D8B030D-6E8A-4147-A177-3AD203B41FA5}">
-                      <a16:colId xmlns:a16="http://schemas.microsoft.com/office/drawing/2014/main" val="1369885979"/>
-                    </a:ext>
-                  </a:extLst>
-                </a:gridCol>
-                <a:gridCol w="2173045">
-                  <a:extLst>
-                    <a:ext uri="{9D8B030D-6E8A-4147-A177-3AD203B41FA5}">
-                      <a16:colId xmlns:a16="http://schemas.microsoft.com/office/drawing/2014/main" val="1334941401"/>
-                    </a:ext>
-                  </a:extLst>
-                </a:gridCol>
-                <a:gridCol w="2173045">
-                  <a:extLst>
-                    <a:ext uri="{9D8B030D-6E8A-4147-A177-3AD203B41FA5}">
-                      <a16:colId xmlns:a16="http://schemas.microsoft.com/office/drawing/2014/main" val="2903353650"/>
-                    </a:ext>
-                  </a:extLst>
-                </a:gridCol>
-              </a:tblGrid>
-              <a:tr h="352461">
-                <a:tc>
-                  <a:txBody>
-                    <a:bodyPr/>
-                    <a:lstStyle/>
-                    <a:p>
-                      <a:r>
-                        <a:rPr lang="pt-BR" dirty="0"/>
-                        <a:t>Código de Barras</a:t>
-                      </a:r>
-                    </a:p>
-                  </a:txBody>
-                  <a:tcPr/>
-                </a:tc>
-                <a:tc>
-                  <a:txBody>
-                    <a:bodyPr/>
-                    <a:lstStyle/>
-                    <a:p>
-                      <a:r>
-                        <a:rPr lang="pt-BR" dirty="0"/>
-                        <a:t>Descrição </a:t>
-                      </a:r>
-                    </a:p>
-                  </a:txBody>
-                  <a:tcPr/>
-                </a:tc>
-                <a:tc>
-                  <a:txBody>
-                    <a:bodyPr/>
-                    <a:lstStyle/>
-                    <a:p>
-                      <a:r>
-                        <a:rPr lang="pt-BR" dirty="0"/>
-                        <a:t>Preço Unit.</a:t>
-                      </a:r>
-                    </a:p>
-                  </a:txBody>
-                  <a:tcPr/>
-                </a:tc>
-                <a:tc>
-                  <a:txBody>
-                    <a:bodyPr/>
-                    <a:lstStyle/>
-                    <a:p>
-                      <a:r>
-                        <a:rPr lang="pt-BR" dirty="0"/>
-                        <a:t>Quantidade</a:t>
-                      </a:r>
-                    </a:p>
-                  </a:txBody>
-                  <a:tcPr/>
-                </a:tc>
-                <a:tc>
-                  <a:txBody>
-                    <a:bodyPr/>
-                    <a:lstStyle/>
-                    <a:p>
-                      <a:r>
-                        <a:rPr lang="pt-BR" dirty="0"/>
-                        <a:t>Preço Total</a:t>
-                      </a:r>
-                    </a:p>
-                  </a:txBody>
-                  <a:tcPr/>
-                </a:tc>
-                <a:extLst>
-                  <a:ext uri="{0D108BD9-81ED-4DB2-BD59-A6C34878D82A}">
-                    <a16:rowId xmlns:a16="http://schemas.microsoft.com/office/drawing/2014/main" val="1213558502"/>
-                  </a:ext>
-                </a:extLst>
-              </a:tr>
-              <a:tr h="373878">
-                <a:tc>
-                  <a:txBody>
-                    <a:bodyPr/>
-                    <a:lstStyle/>
-                    <a:p>
-                      <a:endParaRPr lang="pt-BR"/>
-                    </a:p>
-                  </a:txBody>
-                  <a:tcPr/>
-                </a:tc>
-                <a:tc>
-                  <a:txBody>
-                    <a:bodyPr/>
-                    <a:lstStyle/>
-                    <a:p>
-                      <a:endParaRPr lang="pt-BR"/>
-                    </a:p>
-                  </a:txBody>
-                  <a:tcPr/>
-                </a:tc>
-                <a:tc>
-                  <a:txBody>
-                    <a:bodyPr/>
-                    <a:lstStyle/>
-                    <a:p>
-                      <a:endParaRPr lang="pt-BR"/>
-                    </a:p>
-                  </a:txBody>
-                  <a:tcPr/>
-                </a:tc>
-                <a:tc>
-                  <a:txBody>
-                    <a:bodyPr/>
-                    <a:lstStyle/>
-                    <a:p>
-                      <a:endParaRPr lang="pt-BR"/>
-                    </a:p>
-                  </a:txBody>
-                  <a:tcPr/>
-                </a:tc>
-                <a:tc>
-                  <a:txBody>
-                    <a:bodyPr/>
-                    <a:lstStyle/>
-                    <a:p>
-                      <a:endParaRPr lang="pt-BR"/>
-                    </a:p>
-                  </a:txBody>
-                  <a:tcPr/>
-                </a:tc>
-                <a:extLst>
-                  <a:ext uri="{0D108BD9-81ED-4DB2-BD59-A6C34878D82A}">
-                    <a16:rowId xmlns:a16="http://schemas.microsoft.com/office/drawing/2014/main" val="576253020"/>
-                  </a:ext>
-                </a:extLst>
-              </a:tr>
-              <a:tr h="373878">
-                <a:tc>
-                  <a:txBody>
-                    <a:bodyPr/>
-                    <a:lstStyle/>
-                    <a:p>
-                      <a:endParaRPr lang="pt-BR" dirty="0"/>
-                    </a:p>
-                  </a:txBody>
-                  <a:tcPr/>
-                </a:tc>
-                <a:tc>
-                  <a:txBody>
-                    <a:bodyPr/>
-                    <a:lstStyle/>
-                    <a:p>
-                      <a:endParaRPr lang="pt-BR"/>
-                    </a:p>
-                  </a:txBody>
-                  <a:tcPr/>
-                </a:tc>
-                <a:tc>
-                  <a:txBody>
-                    <a:bodyPr/>
-                    <a:lstStyle/>
-                    <a:p>
-                      <a:endParaRPr lang="pt-BR"/>
-                    </a:p>
-                  </a:txBody>
-                  <a:tcPr/>
-                </a:tc>
-                <a:tc>
-                  <a:txBody>
-                    <a:bodyPr/>
-                    <a:lstStyle/>
-                    <a:p>
-                      <a:endParaRPr lang="pt-BR" dirty="0"/>
-                    </a:p>
-                  </a:txBody>
-                  <a:tcPr/>
-                </a:tc>
-                <a:tc>
-                  <a:txBody>
-                    <a:bodyPr/>
-                    <a:lstStyle/>
-                    <a:p>
-                      <a:endParaRPr lang="pt-BR" dirty="0"/>
-                    </a:p>
-                  </a:txBody>
-                  <a:tcPr/>
-                </a:tc>
-                <a:extLst>
-                  <a:ext uri="{0D108BD9-81ED-4DB2-BD59-A6C34878D82A}">
-                    <a16:rowId xmlns:a16="http://schemas.microsoft.com/office/drawing/2014/main" val="3653939704"/>
-                  </a:ext>
-                </a:extLst>
-              </a:tr>
-              <a:tr h="373878">
-                <a:tc>
-                  <a:txBody>
-                    <a:bodyPr/>
-                    <a:lstStyle/>
-                    <a:p>
-                      <a:endParaRPr lang="pt-BR" dirty="0"/>
-                    </a:p>
-                  </a:txBody>
-                  <a:tcPr/>
-                </a:tc>
-                <a:tc>
-                  <a:txBody>
-                    <a:bodyPr/>
-                    <a:lstStyle/>
-                    <a:p>
-                      <a:endParaRPr lang="pt-BR"/>
-                    </a:p>
-                  </a:txBody>
-                  <a:tcPr/>
-                </a:tc>
-                <a:tc>
-                  <a:txBody>
-                    <a:bodyPr/>
-                    <a:lstStyle/>
-                    <a:p>
-                      <a:endParaRPr lang="pt-BR"/>
-                    </a:p>
-                  </a:txBody>
-                  <a:tcPr/>
-                </a:tc>
-                <a:tc>
-                  <a:txBody>
-                    <a:bodyPr/>
-                    <a:lstStyle/>
-                    <a:p>
-                      <a:endParaRPr lang="pt-BR"/>
-                    </a:p>
-                  </a:txBody>
-                  <a:tcPr/>
-                </a:tc>
-                <a:tc>
-                  <a:txBody>
-                    <a:bodyPr/>
-                    <a:lstStyle/>
-                    <a:p>
-                      <a:endParaRPr lang="pt-BR"/>
-                    </a:p>
-                  </a:txBody>
-                  <a:tcPr/>
-                </a:tc>
-                <a:extLst>
-                  <a:ext uri="{0D108BD9-81ED-4DB2-BD59-A6C34878D82A}">
-                    <a16:rowId xmlns:a16="http://schemas.microsoft.com/office/drawing/2014/main" val="3613635834"/>
-                  </a:ext>
-                </a:extLst>
-              </a:tr>
-              <a:tr h="373878">
-                <a:tc>
-                  <a:txBody>
-                    <a:bodyPr/>
-                    <a:lstStyle/>
-                    <a:p>
-                      <a:endParaRPr lang="pt-BR" dirty="0"/>
-                    </a:p>
-                  </a:txBody>
-                  <a:tcPr/>
-                </a:tc>
-                <a:tc>
-                  <a:txBody>
-                    <a:bodyPr/>
-                    <a:lstStyle/>
-                    <a:p>
-                      <a:endParaRPr lang="pt-BR" dirty="0"/>
-                    </a:p>
-                  </a:txBody>
-                  <a:tcPr/>
-                </a:tc>
-                <a:tc>
-                  <a:txBody>
-                    <a:bodyPr/>
-                    <a:lstStyle/>
-                    <a:p>
-                      <a:endParaRPr lang="pt-BR" dirty="0"/>
-                    </a:p>
-                  </a:txBody>
-                  <a:tcPr/>
-                </a:tc>
-                <a:tc>
-                  <a:txBody>
-                    <a:bodyPr/>
-                    <a:lstStyle/>
-                    <a:p>
-                      <a:endParaRPr lang="pt-BR"/>
-                    </a:p>
-                  </a:txBody>
-                  <a:tcPr/>
-                </a:tc>
-                <a:tc>
-                  <a:txBody>
-                    <a:bodyPr/>
-                    <a:lstStyle/>
-                    <a:p>
-                      <a:endParaRPr lang="pt-BR" dirty="0"/>
-                    </a:p>
-                  </a:txBody>
-                  <a:tcPr/>
-                </a:tc>
-                <a:extLst>
-                  <a:ext uri="{0D108BD9-81ED-4DB2-BD59-A6C34878D82A}">
-                    <a16:rowId xmlns:a16="http://schemas.microsoft.com/office/drawing/2014/main" val="2389015679"/>
-                  </a:ext>
-                </a:extLst>
-              </a:tr>
-              <a:tr h="373878">
-                <a:tc>
-                  <a:txBody>
-                    <a:bodyPr/>
-                    <a:lstStyle/>
-                    <a:p>
-                      <a:endParaRPr lang="pt-BR" dirty="0"/>
-                    </a:p>
-                  </a:txBody>
-                  <a:tcPr/>
-                </a:tc>
-                <a:tc>
-                  <a:txBody>
-                    <a:bodyPr/>
-                    <a:lstStyle/>
-                    <a:p>
-                      <a:endParaRPr lang="pt-BR" dirty="0"/>
-                    </a:p>
-                  </a:txBody>
-                  <a:tcPr/>
-                </a:tc>
-                <a:tc>
-                  <a:txBody>
-                    <a:bodyPr/>
-                    <a:lstStyle/>
-                    <a:p>
-                      <a:endParaRPr lang="pt-BR" dirty="0"/>
-                    </a:p>
-                  </a:txBody>
-                  <a:tcPr/>
-                </a:tc>
-                <a:tc>
-                  <a:txBody>
-                    <a:bodyPr/>
-                    <a:lstStyle/>
-                    <a:p>
-                      <a:endParaRPr lang="pt-BR"/>
-                    </a:p>
-                  </a:txBody>
-                  <a:tcPr/>
-                </a:tc>
-                <a:tc>
-                  <a:txBody>
-                    <a:bodyPr/>
-                    <a:lstStyle/>
-                    <a:p>
-                      <a:endParaRPr lang="pt-BR" dirty="0"/>
-                    </a:p>
-                  </a:txBody>
-                  <a:tcPr/>
-                </a:tc>
-                <a:extLst>
-                  <a:ext uri="{0D108BD9-81ED-4DB2-BD59-A6C34878D82A}">
-                    <a16:rowId xmlns:a16="http://schemas.microsoft.com/office/drawing/2014/main" val="1030185349"/>
-                  </a:ext>
-                </a:extLst>
-              </a:tr>
-              <a:tr h="373878">
-                <a:tc>
-                  <a:txBody>
-                    <a:bodyPr/>
-                    <a:lstStyle/>
-                    <a:p>
-                      <a:endParaRPr lang="pt-BR" dirty="0"/>
-                    </a:p>
-                  </a:txBody>
-                  <a:tcPr/>
-                </a:tc>
-                <a:tc>
-                  <a:txBody>
-                    <a:bodyPr/>
-                    <a:lstStyle/>
-                    <a:p>
-                      <a:endParaRPr lang="pt-BR" dirty="0"/>
-                    </a:p>
-                  </a:txBody>
-                  <a:tcPr/>
-                </a:tc>
-                <a:tc>
-                  <a:txBody>
-                    <a:bodyPr/>
-                    <a:lstStyle/>
-                    <a:p>
-                      <a:endParaRPr lang="pt-BR" dirty="0"/>
-                    </a:p>
-                  </a:txBody>
-                  <a:tcPr/>
-                </a:tc>
-                <a:tc>
-                  <a:txBody>
-                    <a:bodyPr/>
-                    <a:lstStyle/>
-                    <a:p>
-                      <a:endParaRPr lang="pt-BR"/>
-                    </a:p>
-                  </a:txBody>
-                  <a:tcPr/>
-                </a:tc>
-                <a:tc>
-                  <a:txBody>
-                    <a:bodyPr/>
-                    <a:lstStyle/>
-                    <a:p>
-                      <a:endParaRPr lang="pt-BR" dirty="0"/>
-                    </a:p>
-                  </a:txBody>
-                  <a:tcPr/>
-                </a:tc>
-                <a:extLst>
-                  <a:ext uri="{0D108BD9-81ED-4DB2-BD59-A6C34878D82A}">
-                    <a16:rowId xmlns:a16="http://schemas.microsoft.com/office/drawing/2014/main" val="1057969680"/>
-                  </a:ext>
-                </a:extLst>
-              </a:tr>
-              <a:tr h="373878">
-                <a:tc>
-                  <a:txBody>
-                    <a:bodyPr/>
-                    <a:lstStyle/>
-                    <a:p>
-                      <a:endParaRPr lang="pt-BR" dirty="0"/>
-                    </a:p>
-                  </a:txBody>
-                  <a:tcPr/>
-                </a:tc>
-                <a:tc>
-                  <a:txBody>
-                    <a:bodyPr/>
-                    <a:lstStyle/>
-                    <a:p>
-                      <a:endParaRPr lang="pt-BR" dirty="0"/>
-                    </a:p>
-                  </a:txBody>
-                  <a:tcPr/>
-                </a:tc>
-                <a:tc>
-                  <a:txBody>
-                    <a:bodyPr/>
-                    <a:lstStyle/>
-                    <a:p>
-                      <a:endParaRPr lang="pt-BR"/>
-                    </a:p>
-                  </a:txBody>
-                  <a:tcPr/>
-                </a:tc>
-                <a:tc>
-                  <a:txBody>
-                    <a:bodyPr/>
-                    <a:lstStyle/>
-                    <a:p>
-                      <a:endParaRPr lang="pt-BR" dirty="0"/>
-                    </a:p>
-                  </a:txBody>
-                  <a:tcPr/>
-                </a:tc>
-                <a:tc>
-                  <a:txBody>
-                    <a:bodyPr/>
-                    <a:lstStyle/>
-                    <a:p>
-                      <a:endParaRPr lang="pt-BR" dirty="0"/>
-                    </a:p>
-                  </a:txBody>
-                  <a:tcPr/>
-                </a:tc>
-                <a:extLst>
-                  <a:ext uri="{0D108BD9-81ED-4DB2-BD59-A6C34878D82A}">
-                    <a16:rowId xmlns:a16="http://schemas.microsoft.com/office/drawing/2014/main" val="4191382983"/>
-                  </a:ext>
-                </a:extLst>
-              </a:tr>
-              <a:tr h="373878">
-                <a:tc>
-                  <a:txBody>
-                    <a:bodyPr/>
-                    <a:lstStyle/>
-                    <a:p>
-                      <a:endParaRPr lang="pt-BR" dirty="0"/>
-                    </a:p>
-                  </a:txBody>
-                  <a:tcPr/>
-                </a:tc>
-                <a:tc>
-                  <a:txBody>
-                    <a:bodyPr/>
-                    <a:lstStyle/>
-                    <a:p>
-                      <a:endParaRPr lang="pt-BR" dirty="0"/>
-                    </a:p>
-                  </a:txBody>
-                  <a:tcPr/>
-                </a:tc>
-                <a:tc>
-                  <a:txBody>
-                    <a:bodyPr/>
-                    <a:lstStyle/>
-                    <a:p>
-                      <a:endParaRPr lang="pt-BR" dirty="0"/>
-                    </a:p>
-                  </a:txBody>
-                  <a:tcPr/>
-                </a:tc>
-                <a:tc>
-                  <a:txBody>
-                    <a:bodyPr/>
-                    <a:lstStyle/>
-                    <a:p>
-                      <a:endParaRPr lang="pt-BR"/>
-                    </a:p>
-                  </a:txBody>
-                  <a:tcPr/>
-                </a:tc>
-                <a:tc>
-                  <a:txBody>
-                    <a:bodyPr/>
-                    <a:lstStyle/>
-                    <a:p>
-                      <a:endParaRPr lang="pt-BR" dirty="0"/>
-                    </a:p>
-                  </a:txBody>
-                  <a:tcPr/>
-                </a:tc>
-                <a:extLst>
-                  <a:ext uri="{0D108BD9-81ED-4DB2-BD59-A6C34878D82A}">
-                    <a16:rowId xmlns:a16="http://schemas.microsoft.com/office/drawing/2014/main" val="1429340795"/>
-                  </a:ext>
-                </a:extLst>
-              </a:tr>
-              <a:tr h="373878">
-                <a:tc>
-                  <a:txBody>
-                    <a:bodyPr/>
-                    <a:lstStyle/>
-                    <a:p>
-                      <a:endParaRPr lang="pt-BR" dirty="0"/>
-                    </a:p>
-                  </a:txBody>
-                  <a:tcPr/>
-                </a:tc>
-                <a:tc>
-                  <a:txBody>
-                    <a:bodyPr/>
-                    <a:lstStyle/>
-                    <a:p>
-                      <a:endParaRPr lang="pt-BR" dirty="0"/>
-                    </a:p>
-                  </a:txBody>
-                  <a:tcPr/>
-                </a:tc>
-                <a:tc>
-                  <a:txBody>
-                    <a:bodyPr/>
-                    <a:lstStyle/>
-                    <a:p>
-                      <a:endParaRPr lang="pt-BR" dirty="0"/>
-                    </a:p>
-                  </a:txBody>
-                  <a:tcPr/>
-                </a:tc>
-                <a:tc>
-                  <a:txBody>
-                    <a:bodyPr/>
-                    <a:lstStyle/>
-                    <a:p>
-                      <a:endParaRPr lang="pt-BR"/>
-                    </a:p>
-                  </a:txBody>
-                  <a:tcPr/>
-                </a:tc>
-                <a:tc>
-                  <a:txBody>
-                    <a:bodyPr/>
-                    <a:lstStyle/>
-                    <a:p>
-                      <a:endParaRPr lang="pt-BR" dirty="0"/>
-                    </a:p>
-                  </a:txBody>
-                  <a:tcPr/>
-                </a:tc>
-                <a:extLst>
-                  <a:ext uri="{0D108BD9-81ED-4DB2-BD59-A6C34878D82A}">
-                    <a16:rowId xmlns:a16="http://schemas.microsoft.com/office/drawing/2014/main" val="4207309648"/>
-                  </a:ext>
-                </a:extLst>
-              </a:tr>
-              <a:tr h="373878">
-                <a:tc>
-                  <a:txBody>
-                    <a:bodyPr/>
-                    <a:lstStyle/>
-                    <a:p>
-                      <a:endParaRPr lang="pt-BR" dirty="0"/>
-                    </a:p>
-                  </a:txBody>
-                  <a:tcPr/>
-                </a:tc>
-                <a:tc>
-                  <a:txBody>
-                    <a:bodyPr/>
-                    <a:lstStyle/>
-                    <a:p>
-                      <a:endParaRPr lang="pt-BR" dirty="0"/>
-                    </a:p>
-                  </a:txBody>
-                  <a:tcPr/>
-                </a:tc>
-                <a:tc>
-                  <a:txBody>
-                    <a:bodyPr/>
-                    <a:lstStyle/>
-                    <a:p>
-                      <a:endParaRPr lang="pt-BR" dirty="0"/>
-                    </a:p>
-                  </a:txBody>
-                  <a:tcPr/>
-                </a:tc>
-                <a:tc>
-                  <a:txBody>
-                    <a:bodyPr/>
-                    <a:lstStyle/>
-                    <a:p>
-                      <a:endParaRPr lang="pt-BR"/>
-                    </a:p>
-                  </a:txBody>
-                  <a:tcPr/>
-                </a:tc>
-                <a:tc>
-                  <a:txBody>
-                    <a:bodyPr/>
-                    <a:lstStyle/>
-                    <a:p>
-                      <a:endParaRPr lang="pt-BR"/>
-                    </a:p>
-                  </a:txBody>
-                  <a:tcPr/>
-                </a:tc>
-                <a:extLst>
-                  <a:ext uri="{0D108BD9-81ED-4DB2-BD59-A6C34878D82A}">
-                    <a16:rowId xmlns:a16="http://schemas.microsoft.com/office/drawing/2014/main" val="2452276152"/>
-                  </a:ext>
-                </a:extLst>
-              </a:tr>
-              <a:tr h="373878">
-                <a:tc>
-                  <a:txBody>
-                    <a:bodyPr/>
-                    <a:lstStyle/>
-                    <a:p>
-                      <a:endParaRPr lang="pt-BR"/>
-                    </a:p>
-                  </a:txBody>
-                  <a:tcPr/>
-                </a:tc>
-                <a:tc>
-                  <a:txBody>
-                    <a:bodyPr/>
-                    <a:lstStyle/>
-                    <a:p>
-                      <a:endParaRPr lang="pt-BR"/>
-                    </a:p>
-                  </a:txBody>
-                  <a:tcPr/>
-                </a:tc>
-                <a:tc>
-                  <a:txBody>
-                    <a:bodyPr/>
-                    <a:lstStyle/>
-                    <a:p>
-                      <a:endParaRPr lang="pt-BR" dirty="0"/>
-                    </a:p>
-                  </a:txBody>
-                  <a:tcPr/>
-                </a:tc>
-                <a:tc>
-                  <a:txBody>
-                    <a:bodyPr/>
-                    <a:lstStyle/>
-                    <a:p>
-                      <a:endParaRPr lang="pt-BR"/>
-                    </a:p>
-                  </a:txBody>
-                  <a:tcPr/>
-                </a:tc>
-                <a:tc>
-                  <a:txBody>
-                    <a:bodyPr/>
-                    <a:lstStyle/>
-                    <a:p>
-                      <a:endParaRPr lang="pt-BR"/>
-                    </a:p>
-                  </a:txBody>
-                  <a:tcPr/>
-                </a:tc>
-                <a:extLst>
-                  <a:ext uri="{0D108BD9-81ED-4DB2-BD59-A6C34878D82A}">
-                    <a16:rowId xmlns:a16="http://schemas.microsoft.com/office/drawing/2014/main" val="740964325"/>
-                  </a:ext>
-                </a:extLst>
-              </a:tr>
-              <a:tr h="373878">
-                <a:tc>
-                  <a:txBody>
-                    <a:bodyPr/>
-                    <a:lstStyle/>
-                    <a:p>
-                      <a:endParaRPr lang="pt-BR"/>
-                    </a:p>
-                  </a:txBody>
-                  <a:tcPr/>
-                </a:tc>
-                <a:tc>
-                  <a:txBody>
-                    <a:bodyPr/>
-                    <a:lstStyle/>
-                    <a:p>
-                      <a:endParaRPr lang="pt-BR"/>
-                    </a:p>
-                  </a:txBody>
-                  <a:tcPr/>
-                </a:tc>
-                <a:tc>
-                  <a:txBody>
-                    <a:bodyPr/>
-                    <a:lstStyle/>
-                    <a:p>
-                      <a:endParaRPr lang="pt-BR"/>
-                    </a:p>
-                  </a:txBody>
-                  <a:tcPr/>
-                </a:tc>
-                <a:tc>
-                  <a:txBody>
-                    <a:bodyPr/>
-                    <a:lstStyle/>
-                    <a:p>
-                      <a:endParaRPr lang="pt-BR"/>
-                    </a:p>
-                  </a:txBody>
-                  <a:tcPr/>
-                </a:tc>
-                <a:tc>
-                  <a:txBody>
-                    <a:bodyPr/>
-                    <a:lstStyle/>
-                    <a:p>
-                      <a:endParaRPr lang="pt-BR"/>
-                    </a:p>
-                  </a:txBody>
-                  <a:tcPr/>
-                </a:tc>
-                <a:extLst>
-                  <a:ext uri="{0D108BD9-81ED-4DB2-BD59-A6C34878D82A}">
-                    <a16:rowId xmlns:a16="http://schemas.microsoft.com/office/drawing/2014/main" val="2584524710"/>
-                  </a:ext>
-                </a:extLst>
-              </a:tr>
-              <a:tr h="373878">
-                <a:tc>
-                  <a:txBody>
-                    <a:bodyPr/>
-                    <a:lstStyle/>
-                    <a:p>
-                      <a:endParaRPr lang="pt-BR"/>
-                    </a:p>
-                  </a:txBody>
-                  <a:tcPr/>
-                </a:tc>
-                <a:tc>
-                  <a:txBody>
-                    <a:bodyPr/>
-                    <a:lstStyle/>
-                    <a:p>
-                      <a:endParaRPr lang="pt-BR" dirty="0"/>
-                    </a:p>
-                  </a:txBody>
-                  <a:tcPr/>
-                </a:tc>
-                <a:tc>
-                  <a:txBody>
-                    <a:bodyPr/>
-                    <a:lstStyle/>
-                    <a:p>
-                      <a:endParaRPr lang="pt-BR"/>
-                    </a:p>
-                  </a:txBody>
-                  <a:tcPr/>
-                </a:tc>
-                <a:tc>
-                  <a:txBody>
-                    <a:bodyPr/>
-                    <a:lstStyle/>
-                    <a:p>
-                      <a:endParaRPr lang="pt-BR"/>
-                    </a:p>
-                  </a:txBody>
-                  <a:tcPr/>
-                </a:tc>
-                <a:tc>
-                  <a:txBody>
-                    <a:bodyPr/>
-                    <a:lstStyle/>
-                    <a:p>
-                      <a:endParaRPr lang="pt-BR" dirty="0"/>
-                    </a:p>
-                  </a:txBody>
-                  <a:tcPr/>
-                </a:tc>
-                <a:extLst>
-                  <a:ext uri="{0D108BD9-81ED-4DB2-BD59-A6C34878D82A}">
-                    <a16:rowId xmlns:a16="http://schemas.microsoft.com/office/drawing/2014/main" val="2167485834"/>
-                  </a:ext>
-                </a:extLst>
-              </a:tr>
-            </a:tbl>
-          </a:graphicData>
-        </a:graphic>
-      </p:graphicFrame>
-      <p:sp>
-        <p:nvSpPr>
-          <p:cNvPr id="6" name="CaixaDeTexto 5">
-            <a:extLst>
-              <a:ext uri="{FF2B5EF4-FFF2-40B4-BE49-F238E27FC236}">
-                <a16:creationId xmlns:a16="http://schemas.microsoft.com/office/drawing/2014/main" id="{EB2B4498-E6AE-4FE2-AAD0-D9A9889312DF}"/>
-              </a:ext>
-            </a:extLst>
-          </p:cNvPr>
-          <p:cNvSpPr txBox="1"/>
-          <p:nvPr/>
-        </p:nvSpPr>
-        <p:spPr>
-          <a:xfrm>
-            <a:off x="663387" y="6388847"/>
-            <a:ext cx="10865225" cy="369332"/>
-          </a:xfrm>
-          <a:prstGeom prst="rect">
-            <a:avLst/>
-          </a:prstGeom>
-          <a:noFill/>
-        </p:spPr>
-        <p:txBody>
-          <a:bodyPr wrap="square" rtlCol="0">
-            <a:spAutoFit/>
-          </a:bodyPr>
-          <a:lstStyle/>
-          <a:p>
-            <a:r>
-              <a:rPr lang="pt-BR" dirty="0"/>
-              <a:t>CPF:______________	Nome:______________	Usuario:______________	Total:______________ </a:t>
-            </a:r>
-          </a:p>
-        </p:txBody>
-      </p:sp>
-    </p:spTree>
-    <p:extLst>
-      <p:ext uri="{BB962C8B-B14F-4D97-AF65-F5344CB8AC3E}">
-        <p14:creationId xmlns:p14="http://schemas.microsoft.com/office/powerpoint/2010/main" val="633282643"/>
-      </p:ext>
-    </p:extLst>
-  </p:cSld>
-  <p:clrMapOvr>
-    <a:masterClrMapping/>
-  </p:clrMapOvr>
-</p:sld>
-</file>
-
-<file path=ppt/slides/slide19.xml><?xml version="1.0" encoding="utf-8"?>
-<p:sld xmlns:a="http://schemas.openxmlformats.org/drawingml/2006/main" xmlns:r="http://schemas.openxmlformats.org/officeDocument/2006/relationships" xmlns:p="http://schemas.openxmlformats.org/presentationml/2006/main">
-  <p:cSld>
-    <p:spTree>
-      <p:nvGrpSpPr>
-        <p:cNvPr id="1" name=""/>
-        <p:cNvGrpSpPr/>
-        <p:nvPr/>
-      </p:nvGrpSpPr>
-      <p:grpSpPr>
-        <a:xfrm>
-          <a:off x="0" y="0"/>
-          <a:ext cx="0" cy="0"/>
-          <a:chOff x="0" y="0"/>
-          <a:chExt cx="0" cy="0"/>
-        </a:xfrm>
-      </p:grpSpPr>
-      <p:sp>
-        <p:nvSpPr>
-          <p:cNvPr id="2" name="Retângulo 1">
-            <a:extLst>
-              <a:ext uri="{FF2B5EF4-FFF2-40B4-BE49-F238E27FC236}">
-                <a16:creationId xmlns:a16="http://schemas.microsoft.com/office/drawing/2014/main" id="{FA694BDA-0AC4-4F8A-B189-751FA7346519}"/>
-              </a:ext>
-            </a:extLst>
-          </p:cNvPr>
-          <p:cNvSpPr/>
-          <p:nvPr/>
-        </p:nvSpPr>
-        <p:spPr>
-          <a:xfrm>
-            <a:off x="0" y="-35858"/>
-            <a:ext cx="12192000" cy="585694"/>
-          </a:xfrm>
-          <a:prstGeom prst="rect">
-            <a:avLst/>
-          </a:prstGeom>
-        </p:spPr>
-        <p:style>
-          <a:lnRef idx="2">
-            <a:schemeClr val="accent1">
-              <a:shade val="50000"/>
-            </a:schemeClr>
-          </a:lnRef>
-          <a:fillRef idx="1">
-            <a:schemeClr val="accent1"/>
-          </a:fillRef>
-          <a:effectRef idx="0">
-            <a:schemeClr val="accent1"/>
-          </a:effectRef>
-          <a:fontRef idx="minor">
-            <a:schemeClr val="lt1"/>
-          </a:fontRef>
-        </p:style>
-        <p:txBody>
-          <a:bodyPr rtlCol="0" anchor="ctr"/>
-          <a:lstStyle/>
-          <a:p>
-            <a:pPr algn="ctr"/>
-            <a:r>
-              <a:rPr lang="pt-BR" dirty="0"/>
-              <a:t>Relatório de Vendas</a:t>
-            </a:r>
-          </a:p>
-        </p:txBody>
-      </p:sp>
-      <p:sp>
-        <p:nvSpPr>
-          <p:cNvPr id="30" name="Retângulo 29">
-            <a:extLst>
-              <a:ext uri="{FF2B5EF4-FFF2-40B4-BE49-F238E27FC236}">
-                <a16:creationId xmlns:a16="http://schemas.microsoft.com/office/drawing/2014/main" id="{E3BA43C9-3564-49AC-8185-E441C7C4B9C8}"/>
-              </a:ext>
-            </a:extLst>
-          </p:cNvPr>
-          <p:cNvSpPr/>
-          <p:nvPr/>
-        </p:nvSpPr>
-        <p:spPr>
-          <a:xfrm>
-            <a:off x="9036424" y="6207608"/>
-            <a:ext cx="2474259" cy="585694"/>
-          </a:xfrm>
-          <a:prstGeom prst="rect">
-            <a:avLst/>
-          </a:prstGeom>
-        </p:spPr>
-        <p:style>
-          <a:lnRef idx="2">
-            <a:schemeClr val="accent1">
-              <a:shade val="50000"/>
-            </a:schemeClr>
-          </a:lnRef>
-          <a:fillRef idx="1">
-            <a:schemeClr val="accent1"/>
-          </a:fillRef>
-          <a:effectRef idx="0">
-            <a:schemeClr val="accent1"/>
-          </a:effectRef>
-          <a:fontRef idx="minor">
-            <a:schemeClr val="lt1"/>
-          </a:fontRef>
-        </p:style>
-        <p:txBody>
-          <a:bodyPr rtlCol="0" anchor="ctr"/>
-          <a:lstStyle/>
-          <a:p>
-            <a:pPr algn="ctr"/>
-            <a:r>
-              <a:rPr lang="pt-BR" dirty="0"/>
-              <a:t>Filtrar</a:t>
-            </a:r>
-          </a:p>
-        </p:txBody>
-      </p:sp>
-      <p:graphicFrame>
-        <p:nvGraphicFramePr>
-          <p:cNvPr id="3" name="Tabela 3">
-            <a:extLst>
-              <a:ext uri="{FF2B5EF4-FFF2-40B4-BE49-F238E27FC236}">
-                <a16:creationId xmlns:a16="http://schemas.microsoft.com/office/drawing/2014/main" id="{DC504EBC-014C-4086-9368-F733EB1C7FD3}"/>
-              </a:ext>
-            </a:extLst>
-          </p:cNvPr>
-          <p:cNvGraphicFramePr>
-            <a:graphicFrameLocks noGrp="1"/>
-          </p:cNvGraphicFramePr>
-          <p:nvPr/>
-        </p:nvGraphicFramePr>
-        <p:xfrm>
-          <a:off x="645458" y="719665"/>
-          <a:ext cx="10865225" cy="5318114"/>
-        </p:xfrm>
-        <a:graphic>
-          <a:graphicData uri="http://schemas.openxmlformats.org/drawingml/2006/table">
-            <a:tbl>
-              <a:tblPr firstRow="1" bandRow="1">
-                <a:tableStyleId>{5C22544A-7EE6-4342-B048-85BDC9FD1C3A}</a:tableStyleId>
-              </a:tblPr>
-              <a:tblGrid>
-                <a:gridCol w="2173045">
-                  <a:extLst>
-                    <a:ext uri="{9D8B030D-6E8A-4147-A177-3AD203B41FA5}">
-                      <a16:colId xmlns:a16="http://schemas.microsoft.com/office/drawing/2014/main" val="2960009506"/>
-                    </a:ext>
-                  </a:extLst>
-                </a:gridCol>
-                <a:gridCol w="2173045">
-                  <a:extLst>
-                    <a:ext uri="{9D8B030D-6E8A-4147-A177-3AD203B41FA5}">
-                      <a16:colId xmlns:a16="http://schemas.microsoft.com/office/drawing/2014/main" val="4257416109"/>
-                    </a:ext>
-                  </a:extLst>
-                </a:gridCol>
-                <a:gridCol w="2173045">
-                  <a:extLst>
-                    <a:ext uri="{9D8B030D-6E8A-4147-A177-3AD203B41FA5}">
-                      <a16:colId xmlns:a16="http://schemas.microsoft.com/office/drawing/2014/main" val="1369885979"/>
-                    </a:ext>
-                  </a:extLst>
-                </a:gridCol>
-                <a:gridCol w="2173045">
-                  <a:extLst>
-                    <a:ext uri="{9D8B030D-6E8A-4147-A177-3AD203B41FA5}">
-                      <a16:colId xmlns:a16="http://schemas.microsoft.com/office/drawing/2014/main" val="1334941401"/>
-                    </a:ext>
-                  </a:extLst>
-                </a:gridCol>
-                <a:gridCol w="2173045">
-                  <a:extLst>
-                    <a:ext uri="{9D8B030D-6E8A-4147-A177-3AD203B41FA5}">
-                      <a16:colId xmlns:a16="http://schemas.microsoft.com/office/drawing/2014/main" val="2903353650"/>
-                    </a:ext>
-                  </a:extLst>
-                </a:gridCol>
-              </a:tblGrid>
-              <a:tr h="457700">
-                <a:tc>
-                  <a:txBody>
-                    <a:bodyPr/>
-                    <a:lstStyle/>
-                    <a:p>
-                      <a:r>
-                        <a:rPr lang="pt-BR" dirty="0"/>
-                        <a:t>Sequência </a:t>
-                      </a:r>
-                    </a:p>
-                  </a:txBody>
-                  <a:tcPr/>
-                </a:tc>
-                <a:tc>
-                  <a:txBody>
-                    <a:bodyPr/>
-                    <a:lstStyle/>
-                    <a:p>
-                      <a:r>
-                        <a:rPr lang="pt-BR" dirty="0"/>
-                        <a:t>CPF Cliente</a:t>
-                      </a:r>
-                    </a:p>
-                  </a:txBody>
-                  <a:tcPr/>
-                </a:tc>
-                <a:tc>
-                  <a:txBody>
-                    <a:bodyPr/>
-                    <a:lstStyle/>
-                    <a:p>
-                      <a:r>
-                        <a:rPr lang="pt-BR" dirty="0"/>
-                        <a:t>Total</a:t>
-                      </a:r>
-                    </a:p>
-                  </a:txBody>
-                  <a:tcPr/>
-                </a:tc>
-                <a:tc>
-                  <a:txBody>
-                    <a:bodyPr/>
-                    <a:lstStyle/>
-                    <a:p>
-                      <a:r>
-                        <a:rPr lang="pt-BR" dirty="0"/>
-                        <a:t>Usuário</a:t>
-                      </a:r>
-                    </a:p>
-                  </a:txBody>
-                  <a:tcPr/>
-                </a:tc>
-                <a:tc>
-                  <a:txBody>
-                    <a:bodyPr/>
-                    <a:lstStyle/>
-                    <a:p>
-                      <a:r>
-                        <a:rPr lang="pt-BR" dirty="0"/>
-                        <a:t>Data</a:t>
-                      </a:r>
-                    </a:p>
-                  </a:txBody>
-                  <a:tcPr/>
-                </a:tc>
-                <a:extLst>
-                  <a:ext uri="{0D108BD9-81ED-4DB2-BD59-A6C34878D82A}">
-                    <a16:rowId xmlns:a16="http://schemas.microsoft.com/office/drawing/2014/main" val="1213558502"/>
-                  </a:ext>
-                </a:extLst>
-              </a:tr>
-              <a:tr h="373878">
-                <a:tc>
-                  <a:txBody>
-                    <a:bodyPr/>
-                    <a:lstStyle/>
-                    <a:p>
-                      <a:endParaRPr lang="pt-BR"/>
-                    </a:p>
-                  </a:txBody>
-                  <a:tcPr/>
-                </a:tc>
-                <a:tc>
-                  <a:txBody>
-                    <a:bodyPr/>
-                    <a:lstStyle/>
-                    <a:p>
-                      <a:endParaRPr lang="pt-BR"/>
-                    </a:p>
-                  </a:txBody>
-                  <a:tcPr/>
-                </a:tc>
-                <a:tc>
-                  <a:txBody>
-                    <a:bodyPr/>
-                    <a:lstStyle/>
-                    <a:p>
-                      <a:endParaRPr lang="pt-BR"/>
-                    </a:p>
-                  </a:txBody>
-                  <a:tcPr/>
-                </a:tc>
-                <a:tc>
-                  <a:txBody>
-                    <a:bodyPr/>
-                    <a:lstStyle/>
-                    <a:p>
-                      <a:endParaRPr lang="pt-BR"/>
-                    </a:p>
-                  </a:txBody>
-                  <a:tcPr/>
-                </a:tc>
-                <a:tc>
-                  <a:txBody>
-                    <a:bodyPr/>
-                    <a:lstStyle/>
-                    <a:p>
-                      <a:endParaRPr lang="pt-BR"/>
-                    </a:p>
-                  </a:txBody>
-                  <a:tcPr/>
-                </a:tc>
-                <a:extLst>
-                  <a:ext uri="{0D108BD9-81ED-4DB2-BD59-A6C34878D82A}">
-                    <a16:rowId xmlns:a16="http://schemas.microsoft.com/office/drawing/2014/main" val="576253020"/>
-                  </a:ext>
-                </a:extLst>
-              </a:tr>
-              <a:tr h="373878">
-                <a:tc>
-                  <a:txBody>
-                    <a:bodyPr/>
-                    <a:lstStyle/>
-                    <a:p>
-                      <a:endParaRPr lang="pt-BR"/>
-                    </a:p>
-                  </a:txBody>
-                  <a:tcPr/>
-                </a:tc>
-                <a:tc>
-                  <a:txBody>
-                    <a:bodyPr/>
-                    <a:lstStyle/>
-                    <a:p>
-                      <a:endParaRPr lang="pt-BR"/>
-                    </a:p>
-                  </a:txBody>
-                  <a:tcPr/>
-                </a:tc>
-                <a:tc>
-                  <a:txBody>
-                    <a:bodyPr/>
-                    <a:lstStyle/>
-                    <a:p>
-                      <a:endParaRPr lang="pt-BR"/>
-                    </a:p>
-                  </a:txBody>
-                  <a:tcPr/>
-                </a:tc>
-                <a:tc>
-                  <a:txBody>
-                    <a:bodyPr/>
-                    <a:lstStyle/>
-                    <a:p>
-                      <a:endParaRPr lang="pt-BR"/>
-                    </a:p>
-                  </a:txBody>
-                  <a:tcPr/>
-                </a:tc>
-                <a:tc>
-                  <a:txBody>
-                    <a:bodyPr/>
-                    <a:lstStyle/>
-                    <a:p>
-                      <a:endParaRPr lang="pt-BR"/>
-                    </a:p>
-                  </a:txBody>
-                  <a:tcPr/>
-                </a:tc>
-                <a:extLst>
-                  <a:ext uri="{0D108BD9-81ED-4DB2-BD59-A6C34878D82A}">
-                    <a16:rowId xmlns:a16="http://schemas.microsoft.com/office/drawing/2014/main" val="2049275074"/>
-                  </a:ext>
-                </a:extLst>
-              </a:tr>
-              <a:tr h="373878">
-                <a:tc>
-                  <a:txBody>
-                    <a:bodyPr/>
-                    <a:lstStyle/>
-                    <a:p>
-                      <a:endParaRPr lang="pt-BR" dirty="0"/>
-                    </a:p>
-                  </a:txBody>
-                  <a:tcPr/>
-                </a:tc>
-                <a:tc>
-                  <a:txBody>
-                    <a:bodyPr/>
-                    <a:lstStyle/>
-                    <a:p>
-                      <a:endParaRPr lang="pt-BR"/>
-                    </a:p>
-                  </a:txBody>
-                  <a:tcPr/>
-                </a:tc>
-                <a:tc>
-                  <a:txBody>
-                    <a:bodyPr/>
-                    <a:lstStyle/>
-                    <a:p>
-                      <a:endParaRPr lang="pt-BR"/>
-                    </a:p>
-                  </a:txBody>
-                  <a:tcPr/>
-                </a:tc>
-                <a:tc>
-                  <a:txBody>
-                    <a:bodyPr/>
-                    <a:lstStyle/>
-                    <a:p>
-                      <a:endParaRPr lang="pt-BR"/>
-                    </a:p>
-                  </a:txBody>
-                  <a:tcPr/>
-                </a:tc>
-                <a:tc>
-                  <a:txBody>
-                    <a:bodyPr/>
-                    <a:lstStyle/>
-                    <a:p>
-                      <a:endParaRPr lang="pt-BR" dirty="0"/>
-                    </a:p>
-                  </a:txBody>
-                  <a:tcPr/>
-                </a:tc>
-                <a:extLst>
-                  <a:ext uri="{0D108BD9-81ED-4DB2-BD59-A6C34878D82A}">
-                    <a16:rowId xmlns:a16="http://schemas.microsoft.com/office/drawing/2014/main" val="3653939704"/>
-                  </a:ext>
-                </a:extLst>
-              </a:tr>
-              <a:tr h="373878">
-                <a:tc>
-                  <a:txBody>
-                    <a:bodyPr/>
-                    <a:lstStyle/>
-                    <a:p>
-                      <a:endParaRPr lang="pt-BR" dirty="0"/>
-                    </a:p>
-                  </a:txBody>
-                  <a:tcPr/>
-                </a:tc>
-                <a:tc>
-                  <a:txBody>
-                    <a:bodyPr/>
-                    <a:lstStyle/>
-                    <a:p>
-                      <a:endParaRPr lang="pt-BR"/>
-                    </a:p>
-                  </a:txBody>
-                  <a:tcPr/>
-                </a:tc>
-                <a:tc>
-                  <a:txBody>
-                    <a:bodyPr/>
-                    <a:lstStyle/>
-                    <a:p>
-                      <a:endParaRPr lang="pt-BR"/>
-                    </a:p>
-                  </a:txBody>
-                  <a:tcPr/>
-                </a:tc>
-                <a:tc>
-                  <a:txBody>
-                    <a:bodyPr/>
-                    <a:lstStyle/>
-                    <a:p>
-                      <a:endParaRPr lang="pt-BR"/>
-                    </a:p>
-                  </a:txBody>
-                  <a:tcPr/>
-                </a:tc>
-                <a:tc>
-                  <a:txBody>
-                    <a:bodyPr/>
-                    <a:lstStyle/>
-                    <a:p>
-                      <a:endParaRPr lang="pt-BR"/>
-                    </a:p>
-                  </a:txBody>
-                  <a:tcPr/>
-                </a:tc>
-                <a:extLst>
-                  <a:ext uri="{0D108BD9-81ED-4DB2-BD59-A6C34878D82A}">
-                    <a16:rowId xmlns:a16="http://schemas.microsoft.com/office/drawing/2014/main" val="3613635834"/>
-                  </a:ext>
-                </a:extLst>
-              </a:tr>
-              <a:tr h="373878">
-                <a:tc>
-                  <a:txBody>
-                    <a:bodyPr/>
-                    <a:lstStyle/>
-                    <a:p>
-                      <a:endParaRPr lang="pt-BR" dirty="0"/>
-                    </a:p>
-                  </a:txBody>
-                  <a:tcPr/>
-                </a:tc>
-                <a:tc>
-                  <a:txBody>
-                    <a:bodyPr/>
-                    <a:lstStyle/>
-                    <a:p>
-                      <a:endParaRPr lang="pt-BR" dirty="0"/>
-                    </a:p>
-                  </a:txBody>
-                  <a:tcPr/>
-                </a:tc>
-                <a:tc>
-                  <a:txBody>
-                    <a:bodyPr/>
-                    <a:lstStyle/>
-                    <a:p>
-                      <a:endParaRPr lang="pt-BR"/>
-                    </a:p>
-                  </a:txBody>
-                  <a:tcPr/>
-                </a:tc>
-                <a:tc>
-                  <a:txBody>
-                    <a:bodyPr/>
-                    <a:lstStyle/>
-                    <a:p>
-                      <a:endParaRPr lang="pt-BR"/>
-                    </a:p>
-                  </a:txBody>
-                  <a:tcPr/>
-                </a:tc>
-                <a:tc>
-                  <a:txBody>
-                    <a:bodyPr/>
-                    <a:lstStyle/>
-                    <a:p>
-                      <a:endParaRPr lang="pt-BR" dirty="0"/>
-                    </a:p>
-                  </a:txBody>
-                  <a:tcPr/>
-                </a:tc>
-                <a:extLst>
-                  <a:ext uri="{0D108BD9-81ED-4DB2-BD59-A6C34878D82A}">
-                    <a16:rowId xmlns:a16="http://schemas.microsoft.com/office/drawing/2014/main" val="1057969680"/>
-                  </a:ext>
-                </a:extLst>
-              </a:tr>
-              <a:tr h="373878">
-                <a:tc>
-                  <a:txBody>
-                    <a:bodyPr/>
-                    <a:lstStyle/>
-                    <a:p>
-                      <a:endParaRPr lang="pt-BR" dirty="0"/>
-                    </a:p>
-                  </a:txBody>
-                  <a:tcPr/>
-                </a:tc>
-                <a:tc>
-                  <a:txBody>
-                    <a:bodyPr/>
-                    <a:lstStyle/>
-                    <a:p>
-                      <a:endParaRPr lang="pt-BR" dirty="0"/>
-                    </a:p>
-                  </a:txBody>
-                  <a:tcPr/>
-                </a:tc>
-                <a:tc>
-                  <a:txBody>
-                    <a:bodyPr/>
-                    <a:lstStyle/>
-                    <a:p>
-                      <a:endParaRPr lang="pt-BR"/>
-                    </a:p>
-                  </a:txBody>
-                  <a:tcPr/>
-                </a:tc>
-                <a:tc>
-                  <a:txBody>
-                    <a:bodyPr/>
-                    <a:lstStyle/>
-                    <a:p>
-                      <a:endParaRPr lang="pt-BR"/>
-                    </a:p>
-                  </a:txBody>
-                  <a:tcPr/>
-                </a:tc>
-                <a:tc>
-                  <a:txBody>
-                    <a:bodyPr/>
-                    <a:lstStyle/>
-                    <a:p>
-                      <a:endParaRPr lang="pt-BR" dirty="0"/>
-                    </a:p>
-                  </a:txBody>
-                  <a:tcPr/>
-                </a:tc>
-                <a:extLst>
-                  <a:ext uri="{0D108BD9-81ED-4DB2-BD59-A6C34878D82A}">
-                    <a16:rowId xmlns:a16="http://schemas.microsoft.com/office/drawing/2014/main" val="41674977"/>
-                  </a:ext>
-                </a:extLst>
-              </a:tr>
-              <a:tr h="373878">
-                <a:tc>
-                  <a:txBody>
-                    <a:bodyPr/>
-                    <a:lstStyle/>
-                    <a:p>
-                      <a:endParaRPr lang="pt-BR" dirty="0"/>
-                    </a:p>
-                  </a:txBody>
-                  <a:tcPr/>
-                </a:tc>
-                <a:tc>
-                  <a:txBody>
-                    <a:bodyPr/>
-                    <a:lstStyle/>
-                    <a:p>
-                      <a:endParaRPr lang="pt-BR" dirty="0"/>
-                    </a:p>
-                  </a:txBody>
-                  <a:tcPr/>
-                </a:tc>
-                <a:tc>
-                  <a:txBody>
-                    <a:bodyPr/>
-                    <a:lstStyle/>
-                    <a:p>
-                      <a:endParaRPr lang="pt-BR"/>
-                    </a:p>
-                  </a:txBody>
-                  <a:tcPr/>
-                </a:tc>
-                <a:tc>
-                  <a:txBody>
-                    <a:bodyPr/>
-                    <a:lstStyle/>
-                    <a:p>
-                      <a:endParaRPr lang="pt-BR"/>
-                    </a:p>
-                  </a:txBody>
-                  <a:tcPr/>
-                </a:tc>
-                <a:tc>
-                  <a:txBody>
-                    <a:bodyPr/>
-                    <a:lstStyle/>
-                    <a:p>
-                      <a:endParaRPr lang="pt-BR" dirty="0"/>
-                    </a:p>
-                  </a:txBody>
-                  <a:tcPr/>
-                </a:tc>
-                <a:extLst>
-                  <a:ext uri="{0D108BD9-81ED-4DB2-BD59-A6C34878D82A}">
-                    <a16:rowId xmlns:a16="http://schemas.microsoft.com/office/drawing/2014/main" val="960242352"/>
-                  </a:ext>
-                </a:extLst>
-              </a:tr>
-              <a:tr h="373878">
-                <a:tc>
-                  <a:txBody>
-                    <a:bodyPr/>
-                    <a:lstStyle/>
-                    <a:p>
-                      <a:endParaRPr lang="pt-BR" dirty="0"/>
-                    </a:p>
-                  </a:txBody>
-                  <a:tcPr/>
-                </a:tc>
-                <a:tc>
-                  <a:txBody>
-                    <a:bodyPr/>
-                    <a:lstStyle/>
-                    <a:p>
-                      <a:endParaRPr lang="pt-BR" dirty="0"/>
-                    </a:p>
-                  </a:txBody>
-                  <a:tcPr/>
-                </a:tc>
-                <a:tc>
-                  <a:txBody>
-                    <a:bodyPr/>
-                    <a:lstStyle/>
-                    <a:p>
-                      <a:endParaRPr lang="pt-BR"/>
-                    </a:p>
-                  </a:txBody>
-                  <a:tcPr/>
-                </a:tc>
-                <a:tc>
-                  <a:txBody>
-                    <a:bodyPr/>
-                    <a:lstStyle/>
-                    <a:p>
-                      <a:endParaRPr lang="pt-BR"/>
-                    </a:p>
-                  </a:txBody>
-                  <a:tcPr/>
-                </a:tc>
-                <a:tc>
-                  <a:txBody>
-                    <a:bodyPr/>
-                    <a:lstStyle/>
-                    <a:p>
-                      <a:endParaRPr lang="pt-BR" dirty="0"/>
-                    </a:p>
-                  </a:txBody>
-                  <a:tcPr/>
-                </a:tc>
-                <a:extLst>
-                  <a:ext uri="{0D108BD9-81ED-4DB2-BD59-A6C34878D82A}">
-                    <a16:rowId xmlns:a16="http://schemas.microsoft.com/office/drawing/2014/main" val="4191382983"/>
-                  </a:ext>
-                </a:extLst>
-              </a:tr>
-              <a:tr h="373878">
-                <a:tc>
-                  <a:txBody>
-                    <a:bodyPr/>
-                    <a:lstStyle/>
-                    <a:p>
-                      <a:endParaRPr lang="pt-BR" dirty="0"/>
-                    </a:p>
-                  </a:txBody>
-                  <a:tcPr/>
-                </a:tc>
-                <a:tc>
-                  <a:txBody>
-                    <a:bodyPr/>
-                    <a:lstStyle/>
-                    <a:p>
-                      <a:endParaRPr lang="pt-BR" dirty="0"/>
-                    </a:p>
-                  </a:txBody>
-                  <a:tcPr/>
-                </a:tc>
-                <a:tc>
-                  <a:txBody>
-                    <a:bodyPr/>
-                    <a:lstStyle/>
-                    <a:p>
-                      <a:endParaRPr lang="pt-BR" dirty="0"/>
-                    </a:p>
-                  </a:txBody>
-                  <a:tcPr/>
-                </a:tc>
-                <a:tc>
-                  <a:txBody>
-                    <a:bodyPr/>
-                    <a:lstStyle/>
-                    <a:p>
-                      <a:endParaRPr lang="pt-BR"/>
-                    </a:p>
-                  </a:txBody>
-                  <a:tcPr/>
-                </a:tc>
-                <a:tc>
-                  <a:txBody>
-                    <a:bodyPr/>
-                    <a:lstStyle/>
-                    <a:p>
-                      <a:endParaRPr lang="pt-BR" dirty="0"/>
-                    </a:p>
-                  </a:txBody>
-                  <a:tcPr/>
-                </a:tc>
-                <a:extLst>
-                  <a:ext uri="{0D108BD9-81ED-4DB2-BD59-A6C34878D82A}">
-                    <a16:rowId xmlns:a16="http://schemas.microsoft.com/office/drawing/2014/main" val="4207309648"/>
-                  </a:ext>
-                </a:extLst>
-              </a:tr>
-              <a:tr h="373878">
-                <a:tc>
-                  <a:txBody>
-                    <a:bodyPr/>
-                    <a:lstStyle/>
-                    <a:p>
-                      <a:endParaRPr lang="pt-BR" dirty="0"/>
-                    </a:p>
-                  </a:txBody>
-                  <a:tcPr/>
-                </a:tc>
-                <a:tc>
-                  <a:txBody>
-                    <a:bodyPr/>
-                    <a:lstStyle/>
-                    <a:p>
-                      <a:endParaRPr lang="pt-BR" dirty="0"/>
-                    </a:p>
-                  </a:txBody>
-                  <a:tcPr/>
-                </a:tc>
-                <a:tc>
-                  <a:txBody>
-                    <a:bodyPr/>
-                    <a:lstStyle/>
-                    <a:p>
-                      <a:endParaRPr lang="pt-BR" dirty="0"/>
-                    </a:p>
-                  </a:txBody>
-                  <a:tcPr/>
-                </a:tc>
-                <a:tc>
-                  <a:txBody>
-                    <a:bodyPr/>
-                    <a:lstStyle/>
-                    <a:p>
-                      <a:endParaRPr lang="pt-BR"/>
-                    </a:p>
-                  </a:txBody>
-                  <a:tcPr/>
-                </a:tc>
-                <a:tc>
-                  <a:txBody>
-                    <a:bodyPr/>
-                    <a:lstStyle/>
-                    <a:p>
-                      <a:endParaRPr lang="pt-BR"/>
-                    </a:p>
-                  </a:txBody>
-                  <a:tcPr/>
-                </a:tc>
-                <a:extLst>
-                  <a:ext uri="{0D108BD9-81ED-4DB2-BD59-A6C34878D82A}">
-                    <a16:rowId xmlns:a16="http://schemas.microsoft.com/office/drawing/2014/main" val="2452276152"/>
-                  </a:ext>
-                </a:extLst>
-              </a:tr>
-              <a:tr h="373878">
-                <a:tc>
-                  <a:txBody>
-                    <a:bodyPr/>
-                    <a:lstStyle/>
-                    <a:p>
-                      <a:endParaRPr lang="pt-BR"/>
-                    </a:p>
-                  </a:txBody>
-                  <a:tcPr/>
-                </a:tc>
-                <a:tc>
-                  <a:txBody>
-                    <a:bodyPr/>
-                    <a:lstStyle/>
-                    <a:p>
-                      <a:endParaRPr lang="pt-BR"/>
-                    </a:p>
-                  </a:txBody>
-                  <a:tcPr/>
-                </a:tc>
-                <a:tc>
-                  <a:txBody>
-                    <a:bodyPr/>
-                    <a:lstStyle/>
-                    <a:p>
-                      <a:endParaRPr lang="pt-BR" dirty="0"/>
-                    </a:p>
-                  </a:txBody>
-                  <a:tcPr/>
-                </a:tc>
-                <a:tc>
-                  <a:txBody>
-                    <a:bodyPr/>
-                    <a:lstStyle/>
-                    <a:p>
-                      <a:endParaRPr lang="pt-BR"/>
-                    </a:p>
-                  </a:txBody>
-                  <a:tcPr/>
-                </a:tc>
-                <a:tc>
-                  <a:txBody>
-                    <a:bodyPr/>
-                    <a:lstStyle/>
-                    <a:p>
-                      <a:endParaRPr lang="pt-BR"/>
-                    </a:p>
-                  </a:txBody>
-                  <a:tcPr/>
-                </a:tc>
-                <a:extLst>
-                  <a:ext uri="{0D108BD9-81ED-4DB2-BD59-A6C34878D82A}">
-                    <a16:rowId xmlns:a16="http://schemas.microsoft.com/office/drawing/2014/main" val="740964325"/>
-                  </a:ext>
-                </a:extLst>
-              </a:tr>
-              <a:tr h="373878">
-                <a:tc>
-                  <a:txBody>
-                    <a:bodyPr/>
-                    <a:lstStyle/>
-                    <a:p>
-                      <a:endParaRPr lang="pt-BR"/>
-                    </a:p>
-                  </a:txBody>
-                  <a:tcPr/>
-                </a:tc>
-                <a:tc>
-                  <a:txBody>
-                    <a:bodyPr/>
-                    <a:lstStyle/>
-                    <a:p>
-                      <a:endParaRPr lang="pt-BR"/>
-                    </a:p>
-                  </a:txBody>
-                  <a:tcPr/>
-                </a:tc>
-                <a:tc>
-                  <a:txBody>
-                    <a:bodyPr/>
-                    <a:lstStyle/>
-                    <a:p>
-                      <a:endParaRPr lang="pt-BR"/>
-                    </a:p>
-                  </a:txBody>
-                  <a:tcPr/>
-                </a:tc>
-                <a:tc>
-                  <a:txBody>
-                    <a:bodyPr/>
-                    <a:lstStyle/>
-                    <a:p>
-                      <a:endParaRPr lang="pt-BR"/>
-                    </a:p>
-                  </a:txBody>
-                  <a:tcPr/>
-                </a:tc>
-                <a:tc>
-                  <a:txBody>
-                    <a:bodyPr/>
-                    <a:lstStyle/>
-                    <a:p>
-                      <a:endParaRPr lang="pt-BR"/>
-                    </a:p>
-                  </a:txBody>
-                  <a:tcPr/>
-                </a:tc>
-                <a:extLst>
-                  <a:ext uri="{0D108BD9-81ED-4DB2-BD59-A6C34878D82A}">
-                    <a16:rowId xmlns:a16="http://schemas.microsoft.com/office/drawing/2014/main" val="2584524710"/>
-                  </a:ext>
-                </a:extLst>
-              </a:tr>
-              <a:tr h="373878">
-                <a:tc>
-                  <a:txBody>
-                    <a:bodyPr/>
-                    <a:lstStyle/>
-                    <a:p>
-                      <a:endParaRPr lang="pt-BR"/>
-                    </a:p>
-                  </a:txBody>
-                  <a:tcPr/>
-                </a:tc>
-                <a:tc>
-                  <a:txBody>
-                    <a:bodyPr/>
-                    <a:lstStyle/>
-                    <a:p>
-                      <a:endParaRPr lang="pt-BR" dirty="0"/>
-                    </a:p>
-                  </a:txBody>
-                  <a:tcPr/>
-                </a:tc>
-                <a:tc>
-                  <a:txBody>
-                    <a:bodyPr/>
-                    <a:lstStyle/>
-                    <a:p>
-                      <a:endParaRPr lang="pt-BR"/>
-                    </a:p>
-                  </a:txBody>
-                  <a:tcPr/>
-                </a:tc>
-                <a:tc>
-                  <a:txBody>
-                    <a:bodyPr/>
-                    <a:lstStyle/>
-                    <a:p>
-                      <a:endParaRPr lang="pt-BR"/>
-                    </a:p>
-                  </a:txBody>
-                  <a:tcPr/>
-                </a:tc>
-                <a:tc>
-                  <a:txBody>
-                    <a:bodyPr/>
-                    <a:lstStyle/>
-                    <a:p>
-                      <a:endParaRPr lang="pt-BR" dirty="0"/>
-                    </a:p>
-                  </a:txBody>
-                  <a:tcPr/>
-                </a:tc>
-                <a:extLst>
-                  <a:ext uri="{0D108BD9-81ED-4DB2-BD59-A6C34878D82A}">
-                    <a16:rowId xmlns:a16="http://schemas.microsoft.com/office/drawing/2014/main" val="2167485834"/>
-                  </a:ext>
-                </a:extLst>
-              </a:tr>
-            </a:tbl>
-          </a:graphicData>
-        </a:graphic>
-      </p:graphicFrame>
       <p:sp>
         <p:nvSpPr>
           <p:cNvPr id="4" name="CaixaDeTexto 3">
@@ -15173,380 +11599,7 @@
 </p:sld>
 </file>
 
-<file path=ppt/slides/slide2.xml><?xml version="1.0" encoding="utf-8"?>
-<p:sld xmlns:a="http://schemas.openxmlformats.org/drawingml/2006/main" xmlns:r="http://schemas.openxmlformats.org/officeDocument/2006/relationships" xmlns:p="http://schemas.openxmlformats.org/presentationml/2006/main">
-  <p:cSld>
-    <p:spTree>
-      <p:nvGrpSpPr>
-        <p:cNvPr id="1" name=""/>
-        <p:cNvGrpSpPr/>
-        <p:nvPr/>
-      </p:nvGrpSpPr>
-      <p:grpSpPr>
-        <a:xfrm>
-          <a:off x="0" y="0"/>
-          <a:ext cx="0" cy="0"/>
-          <a:chOff x="0" y="0"/>
-          <a:chExt cx="0" cy="0"/>
-        </a:xfrm>
-      </p:grpSpPr>
-      <p:sp>
-        <p:nvSpPr>
-          <p:cNvPr id="2" name="Retângulo 1">
-            <a:extLst>
-              <a:ext uri="{FF2B5EF4-FFF2-40B4-BE49-F238E27FC236}">
-                <a16:creationId xmlns:a16="http://schemas.microsoft.com/office/drawing/2014/main" id="{FA694BDA-0AC4-4F8A-B189-751FA7346519}"/>
-              </a:ext>
-            </a:extLst>
-          </p:cNvPr>
-          <p:cNvSpPr/>
-          <p:nvPr/>
-        </p:nvSpPr>
-        <p:spPr>
-          <a:xfrm>
-            <a:off x="0" y="-35859"/>
-            <a:ext cx="2474259" cy="585694"/>
-          </a:xfrm>
-          <a:prstGeom prst="rect">
-            <a:avLst/>
-          </a:prstGeom>
-        </p:spPr>
-        <p:style>
-          <a:lnRef idx="2">
-            <a:schemeClr val="accent1">
-              <a:shade val="50000"/>
-            </a:schemeClr>
-          </a:lnRef>
-          <a:fillRef idx="1">
-            <a:schemeClr val="accent1"/>
-          </a:fillRef>
-          <a:effectRef idx="0">
-            <a:schemeClr val="accent1"/>
-          </a:effectRef>
-          <a:fontRef idx="minor">
-            <a:schemeClr val="lt1"/>
-          </a:fontRef>
-        </p:style>
-        <p:txBody>
-          <a:bodyPr rtlCol="0" anchor="ctr"/>
-          <a:lstStyle/>
-          <a:p>
-            <a:pPr algn="ctr"/>
-            <a:r>
-              <a:rPr lang="pt-BR" dirty="0"/>
-              <a:t>Cadastros</a:t>
-            </a:r>
-          </a:p>
-        </p:txBody>
-      </p:sp>
-      <p:sp>
-        <p:nvSpPr>
-          <p:cNvPr id="12" name="Retângulo 11">
-            <a:extLst>
-              <a:ext uri="{FF2B5EF4-FFF2-40B4-BE49-F238E27FC236}">
-                <a16:creationId xmlns:a16="http://schemas.microsoft.com/office/drawing/2014/main" id="{74C78776-DE91-4953-8B10-931EABCE6488}"/>
-              </a:ext>
-            </a:extLst>
-          </p:cNvPr>
-          <p:cNvSpPr/>
-          <p:nvPr/>
-        </p:nvSpPr>
-        <p:spPr>
-          <a:xfrm>
-            <a:off x="-3" y="1219199"/>
-            <a:ext cx="2474259" cy="585694"/>
-          </a:xfrm>
-          <a:prstGeom prst="rect">
-            <a:avLst/>
-          </a:prstGeom>
-        </p:spPr>
-        <p:style>
-          <a:lnRef idx="2">
-            <a:schemeClr val="accent1">
-              <a:shade val="50000"/>
-            </a:schemeClr>
-          </a:lnRef>
-          <a:fillRef idx="1">
-            <a:schemeClr val="accent1"/>
-          </a:fillRef>
-          <a:effectRef idx="0">
-            <a:schemeClr val="accent1"/>
-          </a:effectRef>
-          <a:fontRef idx="minor">
-            <a:schemeClr val="lt1"/>
-          </a:fontRef>
-        </p:style>
-        <p:txBody>
-          <a:bodyPr rtlCol="0" anchor="ctr"/>
-          <a:lstStyle/>
-          <a:p>
-            <a:pPr algn="ctr"/>
-            <a:r>
-              <a:rPr lang="pt-BR" dirty="0"/>
-              <a:t>Movimento</a:t>
-            </a:r>
-          </a:p>
-        </p:txBody>
-      </p:sp>
-      <p:sp>
-        <p:nvSpPr>
-          <p:cNvPr id="14" name="Retângulo 13">
-            <a:extLst>
-              <a:ext uri="{FF2B5EF4-FFF2-40B4-BE49-F238E27FC236}">
-                <a16:creationId xmlns:a16="http://schemas.microsoft.com/office/drawing/2014/main" id="{B9E9D420-AD30-4CA5-942D-0E64A9B1D39D}"/>
-              </a:ext>
-            </a:extLst>
-          </p:cNvPr>
-          <p:cNvSpPr/>
-          <p:nvPr/>
-        </p:nvSpPr>
-        <p:spPr>
-          <a:xfrm>
-            <a:off x="-4" y="1804893"/>
-            <a:ext cx="2474259" cy="585694"/>
-          </a:xfrm>
-          <a:prstGeom prst="rect">
-            <a:avLst/>
-          </a:prstGeom>
-        </p:spPr>
-        <p:style>
-          <a:lnRef idx="2">
-            <a:schemeClr val="accent1">
-              <a:shade val="50000"/>
-            </a:schemeClr>
-          </a:lnRef>
-          <a:fillRef idx="1">
-            <a:schemeClr val="accent1"/>
-          </a:fillRef>
-          <a:effectRef idx="0">
-            <a:schemeClr val="accent1"/>
-          </a:effectRef>
-          <a:fontRef idx="minor">
-            <a:schemeClr val="lt1"/>
-          </a:fontRef>
-        </p:style>
-        <p:txBody>
-          <a:bodyPr rtlCol="0" anchor="ctr"/>
-          <a:lstStyle/>
-          <a:p>
-            <a:pPr algn="ctr"/>
-            <a:r>
-              <a:rPr lang="pt-BR" dirty="0"/>
-              <a:t>Relatórios</a:t>
-            </a:r>
-          </a:p>
-        </p:txBody>
-      </p:sp>
-      <p:sp>
-        <p:nvSpPr>
-          <p:cNvPr id="15" name="Retângulo 14">
-            <a:extLst>
-              <a:ext uri="{FF2B5EF4-FFF2-40B4-BE49-F238E27FC236}">
-                <a16:creationId xmlns:a16="http://schemas.microsoft.com/office/drawing/2014/main" id="{EFAC0A38-E040-4B51-9F59-E96F47E0572E}"/>
-              </a:ext>
-            </a:extLst>
-          </p:cNvPr>
-          <p:cNvSpPr/>
-          <p:nvPr/>
-        </p:nvSpPr>
-        <p:spPr>
-          <a:xfrm>
-            <a:off x="-3" y="2390587"/>
-            <a:ext cx="2474259" cy="585694"/>
-          </a:xfrm>
-          <a:prstGeom prst="rect">
-            <a:avLst/>
-          </a:prstGeom>
-        </p:spPr>
-        <p:style>
-          <a:lnRef idx="2">
-            <a:schemeClr val="accent1">
-              <a:shade val="50000"/>
-            </a:schemeClr>
-          </a:lnRef>
-          <a:fillRef idx="1">
-            <a:schemeClr val="accent1"/>
-          </a:fillRef>
-          <a:effectRef idx="0">
-            <a:schemeClr val="accent1"/>
-          </a:effectRef>
-          <a:fontRef idx="minor">
-            <a:schemeClr val="lt1"/>
-          </a:fontRef>
-        </p:style>
-        <p:txBody>
-          <a:bodyPr rtlCol="0" anchor="ctr"/>
-          <a:lstStyle/>
-          <a:p>
-            <a:pPr algn="ctr"/>
-            <a:r>
-              <a:rPr lang="pt-BR" dirty="0"/>
-              <a:t>Administrativo</a:t>
-            </a:r>
-          </a:p>
-        </p:txBody>
-      </p:sp>
-      <p:sp>
-        <p:nvSpPr>
-          <p:cNvPr id="3" name="Retângulo 2">
-            <a:extLst>
-              <a:ext uri="{FF2B5EF4-FFF2-40B4-BE49-F238E27FC236}">
-                <a16:creationId xmlns:a16="http://schemas.microsoft.com/office/drawing/2014/main" id="{CF81F604-B16E-4D27-847D-B699BA45F6FE}"/>
-              </a:ext>
-            </a:extLst>
-          </p:cNvPr>
-          <p:cNvSpPr/>
-          <p:nvPr/>
-        </p:nvSpPr>
-        <p:spPr>
-          <a:xfrm>
-            <a:off x="2474258" y="-35859"/>
-            <a:ext cx="2474259" cy="585694"/>
-          </a:xfrm>
-          <a:prstGeom prst="rect">
-            <a:avLst/>
-          </a:prstGeom>
-        </p:spPr>
-        <p:style>
-          <a:lnRef idx="2">
-            <a:schemeClr val="accent1">
-              <a:shade val="50000"/>
-            </a:schemeClr>
-          </a:lnRef>
-          <a:fillRef idx="1">
-            <a:schemeClr val="accent1"/>
-          </a:fillRef>
-          <a:effectRef idx="0">
-            <a:schemeClr val="accent1"/>
-          </a:effectRef>
-          <a:fontRef idx="minor">
-            <a:schemeClr val="lt1"/>
-          </a:fontRef>
-        </p:style>
-        <p:txBody>
-          <a:bodyPr rtlCol="0" anchor="ctr"/>
-          <a:lstStyle/>
-          <a:p>
-            <a:pPr algn="ctr"/>
-            <a:r>
-              <a:rPr lang="pt-BR" dirty="0"/>
-              <a:t>Produtos</a:t>
-            </a:r>
-          </a:p>
-        </p:txBody>
-      </p:sp>
-      <p:sp>
-        <p:nvSpPr>
-          <p:cNvPr id="4" name="Retângulo 3">
-            <a:extLst>
-              <a:ext uri="{FF2B5EF4-FFF2-40B4-BE49-F238E27FC236}">
-                <a16:creationId xmlns:a16="http://schemas.microsoft.com/office/drawing/2014/main" id="{FF2D4F35-512F-44FB-A15B-C8458A851431}"/>
-              </a:ext>
-            </a:extLst>
-          </p:cNvPr>
-          <p:cNvSpPr/>
-          <p:nvPr/>
-        </p:nvSpPr>
-        <p:spPr>
-          <a:xfrm>
-            <a:off x="2474258" y="555812"/>
-            <a:ext cx="2474259" cy="585694"/>
-          </a:xfrm>
-          <a:prstGeom prst="rect">
-            <a:avLst/>
-          </a:prstGeom>
-        </p:spPr>
-        <p:style>
-          <a:lnRef idx="2">
-            <a:schemeClr val="accent1">
-              <a:shade val="50000"/>
-            </a:schemeClr>
-          </a:lnRef>
-          <a:fillRef idx="1">
-            <a:schemeClr val="accent1"/>
-          </a:fillRef>
-          <a:effectRef idx="0">
-            <a:schemeClr val="accent1"/>
-          </a:effectRef>
-          <a:fontRef idx="minor">
-            <a:schemeClr val="lt1"/>
-          </a:fontRef>
-        </p:style>
-        <p:txBody>
-          <a:bodyPr rtlCol="0" anchor="ctr"/>
-          <a:lstStyle/>
-          <a:p>
-            <a:pPr algn="ctr"/>
-            <a:r>
-              <a:rPr lang="pt-BR" dirty="0"/>
-              <a:t>Clientes</a:t>
-            </a:r>
-          </a:p>
-        </p:txBody>
-      </p:sp>
-      <p:sp>
-        <p:nvSpPr>
-          <p:cNvPr id="7" name="Retângulo 6">
-            <a:extLst>
-              <a:ext uri="{FF2B5EF4-FFF2-40B4-BE49-F238E27FC236}">
-                <a16:creationId xmlns:a16="http://schemas.microsoft.com/office/drawing/2014/main" id="{E2472B94-F806-4404-99B1-38ADA7E4A051}"/>
-              </a:ext>
-            </a:extLst>
-          </p:cNvPr>
-          <p:cNvSpPr/>
-          <p:nvPr/>
-        </p:nvSpPr>
-        <p:spPr>
-          <a:xfrm>
-            <a:off x="-2" y="633505"/>
-            <a:ext cx="2474259" cy="585694"/>
-          </a:xfrm>
-          <a:prstGeom prst="rect">
-            <a:avLst/>
-          </a:prstGeom>
-        </p:spPr>
-        <p:style>
-          <a:lnRef idx="2">
-            <a:schemeClr val="accent1">
-              <a:shade val="50000"/>
-            </a:schemeClr>
-          </a:lnRef>
-          <a:fillRef idx="1">
-            <a:schemeClr val="accent1"/>
-          </a:fillRef>
-          <a:effectRef idx="0">
-            <a:schemeClr val="accent1"/>
-          </a:effectRef>
-          <a:fontRef idx="minor">
-            <a:schemeClr val="lt1"/>
-          </a:fontRef>
-        </p:style>
-        <p:txBody>
-          <a:bodyPr rtlCol="0" anchor="ctr"/>
-          <a:lstStyle/>
-          <a:p>
-            <a:pPr algn="ctr"/>
-            <a:r>
-              <a:rPr lang="pt-BR" dirty="0"/>
-              <a:t>Listagens/Alterações </a:t>
-            </a:r>
-          </a:p>
-        </p:txBody>
-      </p:sp>
-    </p:spTree>
-    <p:extLst>
-      <p:ext uri="{BB962C8B-B14F-4D97-AF65-F5344CB8AC3E}">
-        <p14:creationId xmlns:p14="http://schemas.microsoft.com/office/powerpoint/2010/main" val="3295024111"/>
-      </p:ext>
-    </p:extLst>
-  </p:cSld>
-  <p:clrMapOvr>
-    <a:masterClrMapping/>
-  </p:clrMapOvr>
-</p:sld>
-</file>
-
-<file path=ppt/slides/slide20.xml><?xml version="1.0" encoding="utf-8"?>
+<file path=ppt/slides/slide17.xml><?xml version="1.0" encoding="utf-8"?>
 <p:sld xmlns:a="http://schemas.openxmlformats.org/drawingml/2006/main" xmlns:r="http://schemas.openxmlformats.org/officeDocument/2006/relationships" xmlns:p="http://schemas.openxmlformats.org/presentationml/2006/main">
   <p:cSld>
     <p:spTree>
@@ -16593,1048 +12646,7 @@
 </p:sld>
 </file>
 
-<file path=ppt/slides/slide21.xml><?xml version="1.0" encoding="utf-8"?>
-<p:sld xmlns:a="http://schemas.openxmlformats.org/drawingml/2006/main" xmlns:r="http://schemas.openxmlformats.org/officeDocument/2006/relationships" xmlns:p="http://schemas.openxmlformats.org/presentationml/2006/main">
-  <p:cSld>
-    <p:spTree>
-      <p:nvGrpSpPr>
-        <p:cNvPr id="1" name=""/>
-        <p:cNvGrpSpPr/>
-        <p:nvPr/>
-      </p:nvGrpSpPr>
-      <p:grpSpPr>
-        <a:xfrm>
-          <a:off x="0" y="0"/>
-          <a:ext cx="0" cy="0"/>
-          <a:chOff x="0" y="0"/>
-          <a:chExt cx="0" cy="0"/>
-        </a:xfrm>
-      </p:grpSpPr>
-      <p:sp>
-        <p:nvSpPr>
-          <p:cNvPr id="2" name="Retângulo 1">
-            <a:extLst>
-              <a:ext uri="{FF2B5EF4-FFF2-40B4-BE49-F238E27FC236}">
-                <a16:creationId xmlns:a16="http://schemas.microsoft.com/office/drawing/2014/main" id="{FA694BDA-0AC4-4F8A-B189-751FA7346519}"/>
-              </a:ext>
-            </a:extLst>
-          </p:cNvPr>
-          <p:cNvSpPr/>
-          <p:nvPr/>
-        </p:nvSpPr>
-        <p:spPr>
-          <a:xfrm>
-            <a:off x="0" y="-35858"/>
-            <a:ext cx="12192000" cy="585694"/>
-          </a:xfrm>
-          <a:prstGeom prst="rect">
-            <a:avLst/>
-          </a:prstGeom>
-        </p:spPr>
-        <p:style>
-          <a:lnRef idx="2">
-            <a:schemeClr val="accent1">
-              <a:shade val="50000"/>
-            </a:schemeClr>
-          </a:lnRef>
-          <a:fillRef idx="1">
-            <a:schemeClr val="accent1"/>
-          </a:fillRef>
-          <a:effectRef idx="0">
-            <a:schemeClr val="accent1"/>
-          </a:effectRef>
-          <a:fontRef idx="minor">
-            <a:schemeClr val="lt1"/>
-          </a:fontRef>
-        </p:style>
-        <p:txBody>
-          <a:bodyPr rtlCol="0" anchor="ctr"/>
-          <a:lstStyle/>
-          <a:p>
-            <a:pPr algn="ctr"/>
-            <a:r>
-              <a:rPr lang="pt-BR" dirty="0"/>
-              <a:t>Relatório de Devoluções</a:t>
-            </a:r>
-          </a:p>
-        </p:txBody>
-      </p:sp>
-      <p:sp>
-        <p:nvSpPr>
-          <p:cNvPr id="30" name="Retângulo 29">
-            <a:extLst>
-              <a:ext uri="{FF2B5EF4-FFF2-40B4-BE49-F238E27FC236}">
-                <a16:creationId xmlns:a16="http://schemas.microsoft.com/office/drawing/2014/main" id="{E3BA43C9-3564-49AC-8185-E441C7C4B9C8}"/>
-              </a:ext>
-            </a:extLst>
-          </p:cNvPr>
-          <p:cNvSpPr/>
-          <p:nvPr/>
-        </p:nvSpPr>
-        <p:spPr>
-          <a:xfrm>
-            <a:off x="9036424" y="6207608"/>
-            <a:ext cx="2474259" cy="585694"/>
-          </a:xfrm>
-          <a:prstGeom prst="rect">
-            <a:avLst/>
-          </a:prstGeom>
-        </p:spPr>
-        <p:style>
-          <a:lnRef idx="2">
-            <a:schemeClr val="accent1">
-              <a:shade val="50000"/>
-            </a:schemeClr>
-          </a:lnRef>
-          <a:fillRef idx="1">
-            <a:schemeClr val="accent1"/>
-          </a:fillRef>
-          <a:effectRef idx="0">
-            <a:schemeClr val="accent1"/>
-          </a:effectRef>
-          <a:fontRef idx="minor">
-            <a:schemeClr val="lt1"/>
-          </a:fontRef>
-        </p:style>
-        <p:txBody>
-          <a:bodyPr rtlCol="0" anchor="ctr"/>
-          <a:lstStyle/>
-          <a:p>
-            <a:pPr algn="ctr"/>
-            <a:r>
-              <a:rPr lang="pt-BR" dirty="0"/>
-              <a:t>Filtrar</a:t>
-            </a:r>
-          </a:p>
-        </p:txBody>
-      </p:sp>
-      <p:graphicFrame>
-        <p:nvGraphicFramePr>
-          <p:cNvPr id="3" name="Tabela 3">
-            <a:extLst>
-              <a:ext uri="{FF2B5EF4-FFF2-40B4-BE49-F238E27FC236}">
-                <a16:creationId xmlns:a16="http://schemas.microsoft.com/office/drawing/2014/main" id="{DC504EBC-014C-4086-9368-F733EB1C7FD3}"/>
-              </a:ext>
-            </a:extLst>
-          </p:cNvPr>
-          <p:cNvGraphicFramePr>
-            <a:graphicFrameLocks noGrp="1"/>
-          </p:cNvGraphicFramePr>
-          <p:nvPr/>
-        </p:nvGraphicFramePr>
-        <p:xfrm>
-          <a:off x="645458" y="719665"/>
-          <a:ext cx="10865225" cy="5318114"/>
-        </p:xfrm>
-        <a:graphic>
-          <a:graphicData uri="http://schemas.openxmlformats.org/drawingml/2006/table">
-            <a:tbl>
-              <a:tblPr firstRow="1" bandRow="1">
-                <a:tableStyleId>{5C22544A-7EE6-4342-B048-85BDC9FD1C3A}</a:tableStyleId>
-              </a:tblPr>
-              <a:tblGrid>
-                <a:gridCol w="2173045">
-                  <a:extLst>
-                    <a:ext uri="{9D8B030D-6E8A-4147-A177-3AD203B41FA5}">
-                      <a16:colId xmlns:a16="http://schemas.microsoft.com/office/drawing/2014/main" val="2960009506"/>
-                    </a:ext>
-                  </a:extLst>
-                </a:gridCol>
-                <a:gridCol w="2173045">
-                  <a:extLst>
-                    <a:ext uri="{9D8B030D-6E8A-4147-A177-3AD203B41FA5}">
-                      <a16:colId xmlns:a16="http://schemas.microsoft.com/office/drawing/2014/main" val="4257416109"/>
-                    </a:ext>
-                  </a:extLst>
-                </a:gridCol>
-                <a:gridCol w="2173045">
-                  <a:extLst>
-                    <a:ext uri="{9D8B030D-6E8A-4147-A177-3AD203B41FA5}">
-                      <a16:colId xmlns:a16="http://schemas.microsoft.com/office/drawing/2014/main" val="1369885979"/>
-                    </a:ext>
-                  </a:extLst>
-                </a:gridCol>
-                <a:gridCol w="2173045">
-                  <a:extLst>
-                    <a:ext uri="{9D8B030D-6E8A-4147-A177-3AD203B41FA5}">
-                      <a16:colId xmlns:a16="http://schemas.microsoft.com/office/drawing/2014/main" val="1334941401"/>
-                    </a:ext>
-                  </a:extLst>
-                </a:gridCol>
-                <a:gridCol w="2173045">
-                  <a:extLst>
-                    <a:ext uri="{9D8B030D-6E8A-4147-A177-3AD203B41FA5}">
-                      <a16:colId xmlns:a16="http://schemas.microsoft.com/office/drawing/2014/main" val="2903353650"/>
-                    </a:ext>
-                  </a:extLst>
-                </a:gridCol>
-              </a:tblGrid>
-              <a:tr h="457700">
-                <a:tc>
-                  <a:txBody>
-                    <a:bodyPr/>
-                    <a:lstStyle/>
-                    <a:p>
-                      <a:r>
-                        <a:rPr lang="pt-BR" dirty="0"/>
-                        <a:t>Sequência </a:t>
-                      </a:r>
-                    </a:p>
-                  </a:txBody>
-                  <a:tcPr/>
-                </a:tc>
-                <a:tc>
-                  <a:txBody>
-                    <a:bodyPr/>
-                    <a:lstStyle/>
-                    <a:p>
-                      <a:r>
-                        <a:rPr lang="pt-BR" dirty="0"/>
-                        <a:t>CPF Cliente</a:t>
-                      </a:r>
-                    </a:p>
-                  </a:txBody>
-                  <a:tcPr/>
-                </a:tc>
-                <a:tc>
-                  <a:txBody>
-                    <a:bodyPr/>
-                    <a:lstStyle/>
-                    <a:p>
-                      <a:r>
-                        <a:rPr lang="pt-BR" dirty="0"/>
-                        <a:t>Total</a:t>
-                      </a:r>
-                    </a:p>
-                  </a:txBody>
-                  <a:tcPr/>
-                </a:tc>
-                <a:tc>
-                  <a:txBody>
-                    <a:bodyPr/>
-                    <a:lstStyle/>
-                    <a:p>
-                      <a:r>
-                        <a:rPr lang="pt-BR" dirty="0"/>
-                        <a:t>Usuário</a:t>
-                      </a:r>
-                    </a:p>
-                  </a:txBody>
-                  <a:tcPr/>
-                </a:tc>
-                <a:tc>
-                  <a:txBody>
-                    <a:bodyPr/>
-                    <a:lstStyle/>
-                    <a:p>
-                      <a:r>
-                        <a:rPr lang="pt-BR" dirty="0"/>
-                        <a:t>Data</a:t>
-                      </a:r>
-                    </a:p>
-                  </a:txBody>
-                  <a:tcPr/>
-                </a:tc>
-                <a:extLst>
-                  <a:ext uri="{0D108BD9-81ED-4DB2-BD59-A6C34878D82A}">
-                    <a16:rowId xmlns:a16="http://schemas.microsoft.com/office/drawing/2014/main" val="1213558502"/>
-                  </a:ext>
-                </a:extLst>
-              </a:tr>
-              <a:tr h="373878">
-                <a:tc>
-                  <a:txBody>
-                    <a:bodyPr/>
-                    <a:lstStyle/>
-                    <a:p>
-                      <a:endParaRPr lang="pt-BR"/>
-                    </a:p>
-                  </a:txBody>
-                  <a:tcPr/>
-                </a:tc>
-                <a:tc>
-                  <a:txBody>
-                    <a:bodyPr/>
-                    <a:lstStyle/>
-                    <a:p>
-                      <a:endParaRPr lang="pt-BR"/>
-                    </a:p>
-                  </a:txBody>
-                  <a:tcPr/>
-                </a:tc>
-                <a:tc>
-                  <a:txBody>
-                    <a:bodyPr/>
-                    <a:lstStyle/>
-                    <a:p>
-                      <a:endParaRPr lang="pt-BR"/>
-                    </a:p>
-                  </a:txBody>
-                  <a:tcPr/>
-                </a:tc>
-                <a:tc>
-                  <a:txBody>
-                    <a:bodyPr/>
-                    <a:lstStyle/>
-                    <a:p>
-                      <a:endParaRPr lang="pt-BR"/>
-                    </a:p>
-                  </a:txBody>
-                  <a:tcPr/>
-                </a:tc>
-                <a:tc>
-                  <a:txBody>
-                    <a:bodyPr/>
-                    <a:lstStyle/>
-                    <a:p>
-                      <a:endParaRPr lang="pt-BR"/>
-                    </a:p>
-                  </a:txBody>
-                  <a:tcPr/>
-                </a:tc>
-                <a:extLst>
-                  <a:ext uri="{0D108BD9-81ED-4DB2-BD59-A6C34878D82A}">
-                    <a16:rowId xmlns:a16="http://schemas.microsoft.com/office/drawing/2014/main" val="576253020"/>
-                  </a:ext>
-                </a:extLst>
-              </a:tr>
-              <a:tr h="373878">
-                <a:tc>
-                  <a:txBody>
-                    <a:bodyPr/>
-                    <a:lstStyle/>
-                    <a:p>
-                      <a:endParaRPr lang="pt-BR"/>
-                    </a:p>
-                  </a:txBody>
-                  <a:tcPr/>
-                </a:tc>
-                <a:tc>
-                  <a:txBody>
-                    <a:bodyPr/>
-                    <a:lstStyle/>
-                    <a:p>
-                      <a:endParaRPr lang="pt-BR"/>
-                    </a:p>
-                  </a:txBody>
-                  <a:tcPr/>
-                </a:tc>
-                <a:tc>
-                  <a:txBody>
-                    <a:bodyPr/>
-                    <a:lstStyle/>
-                    <a:p>
-                      <a:endParaRPr lang="pt-BR"/>
-                    </a:p>
-                  </a:txBody>
-                  <a:tcPr/>
-                </a:tc>
-                <a:tc>
-                  <a:txBody>
-                    <a:bodyPr/>
-                    <a:lstStyle/>
-                    <a:p>
-                      <a:endParaRPr lang="pt-BR"/>
-                    </a:p>
-                  </a:txBody>
-                  <a:tcPr/>
-                </a:tc>
-                <a:tc>
-                  <a:txBody>
-                    <a:bodyPr/>
-                    <a:lstStyle/>
-                    <a:p>
-                      <a:endParaRPr lang="pt-BR"/>
-                    </a:p>
-                  </a:txBody>
-                  <a:tcPr/>
-                </a:tc>
-                <a:extLst>
-                  <a:ext uri="{0D108BD9-81ED-4DB2-BD59-A6C34878D82A}">
-                    <a16:rowId xmlns:a16="http://schemas.microsoft.com/office/drawing/2014/main" val="2049275074"/>
-                  </a:ext>
-                </a:extLst>
-              </a:tr>
-              <a:tr h="373878">
-                <a:tc>
-                  <a:txBody>
-                    <a:bodyPr/>
-                    <a:lstStyle/>
-                    <a:p>
-                      <a:endParaRPr lang="pt-BR" dirty="0"/>
-                    </a:p>
-                  </a:txBody>
-                  <a:tcPr/>
-                </a:tc>
-                <a:tc>
-                  <a:txBody>
-                    <a:bodyPr/>
-                    <a:lstStyle/>
-                    <a:p>
-                      <a:endParaRPr lang="pt-BR"/>
-                    </a:p>
-                  </a:txBody>
-                  <a:tcPr/>
-                </a:tc>
-                <a:tc>
-                  <a:txBody>
-                    <a:bodyPr/>
-                    <a:lstStyle/>
-                    <a:p>
-                      <a:endParaRPr lang="pt-BR"/>
-                    </a:p>
-                  </a:txBody>
-                  <a:tcPr/>
-                </a:tc>
-                <a:tc>
-                  <a:txBody>
-                    <a:bodyPr/>
-                    <a:lstStyle/>
-                    <a:p>
-                      <a:endParaRPr lang="pt-BR"/>
-                    </a:p>
-                  </a:txBody>
-                  <a:tcPr/>
-                </a:tc>
-                <a:tc>
-                  <a:txBody>
-                    <a:bodyPr/>
-                    <a:lstStyle/>
-                    <a:p>
-                      <a:endParaRPr lang="pt-BR" dirty="0"/>
-                    </a:p>
-                  </a:txBody>
-                  <a:tcPr/>
-                </a:tc>
-                <a:extLst>
-                  <a:ext uri="{0D108BD9-81ED-4DB2-BD59-A6C34878D82A}">
-                    <a16:rowId xmlns:a16="http://schemas.microsoft.com/office/drawing/2014/main" val="3653939704"/>
-                  </a:ext>
-                </a:extLst>
-              </a:tr>
-              <a:tr h="373878">
-                <a:tc>
-                  <a:txBody>
-                    <a:bodyPr/>
-                    <a:lstStyle/>
-                    <a:p>
-                      <a:endParaRPr lang="pt-BR" dirty="0"/>
-                    </a:p>
-                  </a:txBody>
-                  <a:tcPr/>
-                </a:tc>
-                <a:tc>
-                  <a:txBody>
-                    <a:bodyPr/>
-                    <a:lstStyle/>
-                    <a:p>
-                      <a:endParaRPr lang="pt-BR"/>
-                    </a:p>
-                  </a:txBody>
-                  <a:tcPr/>
-                </a:tc>
-                <a:tc>
-                  <a:txBody>
-                    <a:bodyPr/>
-                    <a:lstStyle/>
-                    <a:p>
-                      <a:endParaRPr lang="pt-BR"/>
-                    </a:p>
-                  </a:txBody>
-                  <a:tcPr/>
-                </a:tc>
-                <a:tc>
-                  <a:txBody>
-                    <a:bodyPr/>
-                    <a:lstStyle/>
-                    <a:p>
-                      <a:endParaRPr lang="pt-BR"/>
-                    </a:p>
-                  </a:txBody>
-                  <a:tcPr/>
-                </a:tc>
-                <a:tc>
-                  <a:txBody>
-                    <a:bodyPr/>
-                    <a:lstStyle/>
-                    <a:p>
-                      <a:endParaRPr lang="pt-BR"/>
-                    </a:p>
-                  </a:txBody>
-                  <a:tcPr/>
-                </a:tc>
-                <a:extLst>
-                  <a:ext uri="{0D108BD9-81ED-4DB2-BD59-A6C34878D82A}">
-                    <a16:rowId xmlns:a16="http://schemas.microsoft.com/office/drawing/2014/main" val="3613635834"/>
-                  </a:ext>
-                </a:extLst>
-              </a:tr>
-              <a:tr h="373878">
-                <a:tc>
-                  <a:txBody>
-                    <a:bodyPr/>
-                    <a:lstStyle/>
-                    <a:p>
-                      <a:endParaRPr lang="pt-BR" dirty="0"/>
-                    </a:p>
-                  </a:txBody>
-                  <a:tcPr/>
-                </a:tc>
-                <a:tc>
-                  <a:txBody>
-                    <a:bodyPr/>
-                    <a:lstStyle/>
-                    <a:p>
-                      <a:endParaRPr lang="pt-BR" dirty="0"/>
-                    </a:p>
-                  </a:txBody>
-                  <a:tcPr/>
-                </a:tc>
-                <a:tc>
-                  <a:txBody>
-                    <a:bodyPr/>
-                    <a:lstStyle/>
-                    <a:p>
-                      <a:endParaRPr lang="pt-BR"/>
-                    </a:p>
-                  </a:txBody>
-                  <a:tcPr/>
-                </a:tc>
-                <a:tc>
-                  <a:txBody>
-                    <a:bodyPr/>
-                    <a:lstStyle/>
-                    <a:p>
-                      <a:endParaRPr lang="pt-BR"/>
-                    </a:p>
-                  </a:txBody>
-                  <a:tcPr/>
-                </a:tc>
-                <a:tc>
-                  <a:txBody>
-                    <a:bodyPr/>
-                    <a:lstStyle/>
-                    <a:p>
-                      <a:endParaRPr lang="pt-BR" dirty="0"/>
-                    </a:p>
-                  </a:txBody>
-                  <a:tcPr/>
-                </a:tc>
-                <a:extLst>
-                  <a:ext uri="{0D108BD9-81ED-4DB2-BD59-A6C34878D82A}">
-                    <a16:rowId xmlns:a16="http://schemas.microsoft.com/office/drawing/2014/main" val="1057969680"/>
-                  </a:ext>
-                </a:extLst>
-              </a:tr>
-              <a:tr h="373878">
-                <a:tc>
-                  <a:txBody>
-                    <a:bodyPr/>
-                    <a:lstStyle/>
-                    <a:p>
-                      <a:endParaRPr lang="pt-BR" dirty="0"/>
-                    </a:p>
-                  </a:txBody>
-                  <a:tcPr/>
-                </a:tc>
-                <a:tc>
-                  <a:txBody>
-                    <a:bodyPr/>
-                    <a:lstStyle/>
-                    <a:p>
-                      <a:endParaRPr lang="pt-BR" dirty="0"/>
-                    </a:p>
-                  </a:txBody>
-                  <a:tcPr/>
-                </a:tc>
-                <a:tc>
-                  <a:txBody>
-                    <a:bodyPr/>
-                    <a:lstStyle/>
-                    <a:p>
-                      <a:endParaRPr lang="pt-BR"/>
-                    </a:p>
-                  </a:txBody>
-                  <a:tcPr/>
-                </a:tc>
-                <a:tc>
-                  <a:txBody>
-                    <a:bodyPr/>
-                    <a:lstStyle/>
-                    <a:p>
-                      <a:endParaRPr lang="pt-BR"/>
-                    </a:p>
-                  </a:txBody>
-                  <a:tcPr/>
-                </a:tc>
-                <a:tc>
-                  <a:txBody>
-                    <a:bodyPr/>
-                    <a:lstStyle/>
-                    <a:p>
-                      <a:endParaRPr lang="pt-BR" dirty="0"/>
-                    </a:p>
-                  </a:txBody>
-                  <a:tcPr/>
-                </a:tc>
-                <a:extLst>
-                  <a:ext uri="{0D108BD9-81ED-4DB2-BD59-A6C34878D82A}">
-                    <a16:rowId xmlns:a16="http://schemas.microsoft.com/office/drawing/2014/main" val="41674977"/>
-                  </a:ext>
-                </a:extLst>
-              </a:tr>
-              <a:tr h="373878">
-                <a:tc>
-                  <a:txBody>
-                    <a:bodyPr/>
-                    <a:lstStyle/>
-                    <a:p>
-                      <a:endParaRPr lang="pt-BR" dirty="0"/>
-                    </a:p>
-                  </a:txBody>
-                  <a:tcPr/>
-                </a:tc>
-                <a:tc>
-                  <a:txBody>
-                    <a:bodyPr/>
-                    <a:lstStyle/>
-                    <a:p>
-                      <a:endParaRPr lang="pt-BR" dirty="0"/>
-                    </a:p>
-                  </a:txBody>
-                  <a:tcPr/>
-                </a:tc>
-                <a:tc>
-                  <a:txBody>
-                    <a:bodyPr/>
-                    <a:lstStyle/>
-                    <a:p>
-                      <a:endParaRPr lang="pt-BR"/>
-                    </a:p>
-                  </a:txBody>
-                  <a:tcPr/>
-                </a:tc>
-                <a:tc>
-                  <a:txBody>
-                    <a:bodyPr/>
-                    <a:lstStyle/>
-                    <a:p>
-                      <a:endParaRPr lang="pt-BR"/>
-                    </a:p>
-                  </a:txBody>
-                  <a:tcPr/>
-                </a:tc>
-                <a:tc>
-                  <a:txBody>
-                    <a:bodyPr/>
-                    <a:lstStyle/>
-                    <a:p>
-                      <a:endParaRPr lang="pt-BR" dirty="0"/>
-                    </a:p>
-                  </a:txBody>
-                  <a:tcPr/>
-                </a:tc>
-                <a:extLst>
-                  <a:ext uri="{0D108BD9-81ED-4DB2-BD59-A6C34878D82A}">
-                    <a16:rowId xmlns:a16="http://schemas.microsoft.com/office/drawing/2014/main" val="960242352"/>
-                  </a:ext>
-                </a:extLst>
-              </a:tr>
-              <a:tr h="373878">
-                <a:tc>
-                  <a:txBody>
-                    <a:bodyPr/>
-                    <a:lstStyle/>
-                    <a:p>
-                      <a:endParaRPr lang="pt-BR" dirty="0"/>
-                    </a:p>
-                  </a:txBody>
-                  <a:tcPr/>
-                </a:tc>
-                <a:tc>
-                  <a:txBody>
-                    <a:bodyPr/>
-                    <a:lstStyle/>
-                    <a:p>
-                      <a:endParaRPr lang="pt-BR" dirty="0"/>
-                    </a:p>
-                  </a:txBody>
-                  <a:tcPr/>
-                </a:tc>
-                <a:tc>
-                  <a:txBody>
-                    <a:bodyPr/>
-                    <a:lstStyle/>
-                    <a:p>
-                      <a:endParaRPr lang="pt-BR"/>
-                    </a:p>
-                  </a:txBody>
-                  <a:tcPr/>
-                </a:tc>
-                <a:tc>
-                  <a:txBody>
-                    <a:bodyPr/>
-                    <a:lstStyle/>
-                    <a:p>
-                      <a:endParaRPr lang="pt-BR"/>
-                    </a:p>
-                  </a:txBody>
-                  <a:tcPr/>
-                </a:tc>
-                <a:tc>
-                  <a:txBody>
-                    <a:bodyPr/>
-                    <a:lstStyle/>
-                    <a:p>
-                      <a:endParaRPr lang="pt-BR" dirty="0"/>
-                    </a:p>
-                  </a:txBody>
-                  <a:tcPr/>
-                </a:tc>
-                <a:extLst>
-                  <a:ext uri="{0D108BD9-81ED-4DB2-BD59-A6C34878D82A}">
-                    <a16:rowId xmlns:a16="http://schemas.microsoft.com/office/drawing/2014/main" val="4191382983"/>
-                  </a:ext>
-                </a:extLst>
-              </a:tr>
-              <a:tr h="373878">
-                <a:tc>
-                  <a:txBody>
-                    <a:bodyPr/>
-                    <a:lstStyle/>
-                    <a:p>
-                      <a:endParaRPr lang="pt-BR" dirty="0"/>
-                    </a:p>
-                  </a:txBody>
-                  <a:tcPr/>
-                </a:tc>
-                <a:tc>
-                  <a:txBody>
-                    <a:bodyPr/>
-                    <a:lstStyle/>
-                    <a:p>
-                      <a:endParaRPr lang="pt-BR" dirty="0"/>
-                    </a:p>
-                  </a:txBody>
-                  <a:tcPr/>
-                </a:tc>
-                <a:tc>
-                  <a:txBody>
-                    <a:bodyPr/>
-                    <a:lstStyle/>
-                    <a:p>
-                      <a:endParaRPr lang="pt-BR" dirty="0"/>
-                    </a:p>
-                  </a:txBody>
-                  <a:tcPr/>
-                </a:tc>
-                <a:tc>
-                  <a:txBody>
-                    <a:bodyPr/>
-                    <a:lstStyle/>
-                    <a:p>
-                      <a:endParaRPr lang="pt-BR"/>
-                    </a:p>
-                  </a:txBody>
-                  <a:tcPr/>
-                </a:tc>
-                <a:tc>
-                  <a:txBody>
-                    <a:bodyPr/>
-                    <a:lstStyle/>
-                    <a:p>
-                      <a:endParaRPr lang="pt-BR" dirty="0"/>
-                    </a:p>
-                  </a:txBody>
-                  <a:tcPr/>
-                </a:tc>
-                <a:extLst>
-                  <a:ext uri="{0D108BD9-81ED-4DB2-BD59-A6C34878D82A}">
-                    <a16:rowId xmlns:a16="http://schemas.microsoft.com/office/drawing/2014/main" val="4207309648"/>
-                  </a:ext>
-                </a:extLst>
-              </a:tr>
-              <a:tr h="373878">
-                <a:tc>
-                  <a:txBody>
-                    <a:bodyPr/>
-                    <a:lstStyle/>
-                    <a:p>
-                      <a:endParaRPr lang="pt-BR" dirty="0"/>
-                    </a:p>
-                  </a:txBody>
-                  <a:tcPr/>
-                </a:tc>
-                <a:tc>
-                  <a:txBody>
-                    <a:bodyPr/>
-                    <a:lstStyle/>
-                    <a:p>
-                      <a:endParaRPr lang="pt-BR" dirty="0"/>
-                    </a:p>
-                  </a:txBody>
-                  <a:tcPr/>
-                </a:tc>
-                <a:tc>
-                  <a:txBody>
-                    <a:bodyPr/>
-                    <a:lstStyle/>
-                    <a:p>
-                      <a:endParaRPr lang="pt-BR" dirty="0"/>
-                    </a:p>
-                  </a:txBody>
-                  <a:tcPr/>
-                </a:tc>
-                <a:tc>
-                  <a:txBody>
-                    <a:bodyPr/>
-                    <a:lstStyle/>
-                    <a:p>
-                      <a:endParaRPr lang="pt-BR"/>
-                    </a:p>
-                  </a:txBody>
-                  <a:tcPr/>
-                </a:tc>
-                <a:tc>
-                  <a:txBody>
-                    <a:bodyPr/>
-                    <a:lstStyle/>
-                    <a:p>
-                      <a:endParaRPr lang="pt-BR"/>
-                    </a:p>
-                  </a:txBody>
-                  <a:tcPr/>
-                </a:tc>
-                <a:extLst>
-                  <a:ext uri="{0D108BD9-81ED-4DB2-BD59-A6C34878D82A}">
-                    <a16:rowId xmlns:a16="http://schemas.microsoft.com/office/drawing/2014/main" val="2452276152"/>
-                  </a:ext>
-                </a:extLst>
-              </a:tr>
-              <a:tr h="373878">
-                <a:tc>
-                  <a:txBody>
-                    <a:bodyPr/>
-                    <a:lstStyle/>
-                    <a:p>
-                      <a:endParaRPr lang="pt-BR"/>
-                    </a:p>
-                  </a:txBody>
-                  <a:tcPr/>
-                </a:tc>
-                <a:tc>
-                  <a:txBody>
-                    <a:bodyPr/>
-                    <a:lstStyle/>
-                    <a:p>
-                      <a:endParaRPr lang="pt-BR"/>
-                    </a:p>
-                  </a:txBody>
-                  <a:tcPr/>
-                </a:tc>
-                <a:tc>
-                  <a:txBody>
-                    <a:bodyPr/>
-                    <a:lstStyle/>
-                    <a:p>
-                      <a:endParaRPr lang="pt-BR" dirty="0"/>
-                    </a:p>
-                  </a:txBody>
-                  <a:tcPr/>
-                </a:tc>
-                <a:tc>
-                  <a:txBody>
-                    <a:bodyPr/>
-                    <a:lstStyle/>
-                    <a:p>
-                      <a:endParaRPr lang="pt-BR"/>
-                    </a:p>
-                  </a:txBody>
-                  <a:tcPr/>
-                </a:tc>
-                <a:tc>
-                  <a:txBody>
-                    <a:bodyPr/>
-                    <a:lstStyle/>
-                    <a:p>
-                      <a:endParaRPr lang="pt-BR"/>
-                    </a:p>
-                  </a:txBody>
-                  <a:tcPr/>
-                </a:tc>
-                <a:extLst>
-                  <a:ext uri="{0D108BD9-81ED-4DB2-BD59-A6C34878D82A}">
-                    <a16:rowId xmlns:a16="http://schemas.microsoft.com/office/drawing/2014/main" val="740964325"/>
-                  </a:ext>
-                </a:extLst>
-              </a:tr>
-              <a:tr h="373878">
-                <a:tc>
-                  <a:txBody>
-                    <a:bodyPr/>
-                    <a:lstStyle/>
-                    <a:p>
-                      <a:endParaRPr lang="pt-BR"/>
-                    </a:p>
-                  </a:txBody>
-                  <a:tcPr/>
-                </a:tc>
-                <a:tc>
-                  <a:txBody>
-                    <a:bodyPr/>
-                    <a:lstStyle/>
-                    <a:p>
-                      <a:endParaRPr lang="pt-BR"/>
-                    </a:p>
-                  </a:txBody>
-                  <a:tcPr/>
-                </a:tc>
-                <a:tc>
-                  <a:txBody>
-                    <a:bodyPr/>
-                    <a:lstStyle/>
-                    <a:p>
-                      <a:endParaRPr lang="pt-BR"/>
-                    </a:p>
-                  </a:txBody>
-                  <a:tcPr/>
-                </a:tc>
-                <a:tc>
-                  <a:txBody>
-                    <a:bodyPr/>
-                    <a:lstStyle/>
-                    <a:p>
-                      <a:endParaRPr lang="pt-BR"/>
-                    </a:p>
-                  </a:txBody>
-                  <a:tcPr/>
-                </a:tc>
-                <a:tc>
-                  <a:txBody>
-                    <a:bodyPr/>
-                    <a:lstStyle/>
-                    <a:p>
-                      <a:endParaRPr lang="pt-BR"/>
-                    </a:p>
-                  </a:txBody>
-                  <a:tcPr/>
-                </a:tc>
-                <a:extLst>
-                  <a:ext uri="{0D108BD9-81ED-4DB2-BD59-A6C34878D82A}">
-                    <a16:rowId xmlns:a16="http://schemas.microsoft.com/office/drawing/2014/main" val="2584524710"/>
-                  </a:ext>
-                </a:extLst>
-              </a:tr>
-              <a:tr h="373878">
-                <a:tc>
-                  <a:txBody>
-                    <a:bodyPr/>
-                    <a:lstStyle/>
-                    <a:p>
-                      <a:endParaRPr lang="pt-BR"/>
-                    </a:p>
-                  </a:txBody>
-                  <a:tcPr/>
-                </a:tc>
-                <a:tc>
-                  <a:txBody>
-                    <a:bodyPr/>
-                    <a:lstStyle/>
-                    <a:p>
-                      <a:endParaRPr lang="pt-BR" dirty="0"/>
-                    </a:p>
-                  </a:txBody>
-                  <a:tcPr/>
-                </a:tc>
-                <a:tc>
-                  <a:txBody>
-                    <a:bodyPr/>
-                    <a:lstStyle/>
-                    <a:p>
-                      <a:endParaRPr lang="pt-BR"/>
-                    </a:p>
-                  </a:txBody>
-                  <a:tcPr/>
-                </a:tc>
-                <a:tc>
-                  <a:txBody>
-                    <a:bodyPr/>
-                    <a:lstStyle/>
-                    <a:p>
-                      <a:endParaRPr lang="pt-BR"/>
-                    </a:p>
-                  </a:txBody>
-                  <a:tcPr/>
-                </a:tc>
-                <a:tc>
-                  <a:txBody>
-                    <a:bodyPr/>
-                    <a:lstStyle/>
-                    <a:p>
-                      <a:endParaRPr lang="pt-BR" dirty="0"/>
-                    </a:p>
-                  </a:txBody>
-                  <a:tcPr/>
-                </a:tc>
-                <a:extLst>
-                  <a:ext uri="{0D108BD9-81ED-4DB2-BD59-A6C34878D82A}">
-                    <a16:rowId xmlns:a16="http://schemas.microsoft.com/office/drawing/2014/main" val="2167485834"/>
-                  </a:ext>
-                </a:extLst>
-              </a:tr>
-            </a:tbl>
-          </a:graphicData>
-        </a:graphic>
-      </p:graphicFrame>
-      <p:sp>
-        <p:nvSpPr>
-          <p:cNvPr id="4" name="CaixaDeTexto 3">
-            <a:extLst>
-              <a:ext uri="{FF2B5EF4-FFF2-40B4-BE49-F238E27FC236}">
-                <a16:creationId xmlns:a16="http://schemas.microsoft.com/office/drawing/2014/main" id="{1F9A9C59-187C-4BBA-8594-DDD46AA0ABBC}"/>
-              </a:ext>
-            </a:extLst>
-          </p:cNvPr>
-          <p:cNvSpPr txBox="1"/>
-          <p:nvPr/>
-        </p:nvSpPr>
-        <p:spPr>
-          <a:xfrm>
-            <a:off x="645458" y="6380487"/>
-            <a:ext cx="3101788" cy="369332"/>
-          </a:xfrm>
-          <a:prstGeom prst="rect">
-            <a:avLst/>
-          </a:prstGeom>
-          <a:noFill/>
-        </p:spPr>
-        <p:txBody>
-          <a:bodyPr wrap="square" rtlCol="0">
-            <a:spAutoFit/>
-          </a:bodyPr>
-          <a:lstStyle/>
-          <a:p>
-            <a:r>
-              <a:rPr lang="pt-BR" dirty="0"/>
-              <a:t>Total:_________________</a:t>
-            </a:r>
-          </a:p>
-        </p:txBody>
-      </p:sp>
-    </p:spTree>
-    <p:extLst>
-      <p:ext uri="{BB962C8B-B14F-4D97-AF65-F5344CB8AC3E}">
-        <p14:creationId xmlns:p14="http://schemas.microsoft.com/office/powerpoint/2010/main" val="8331399"/>
-      </p:ext>
-    </p:extLst>
-  </p:cSld>
-  <p:clrMapOvr>
-    <a:masterClrMapping/>
-  </p:clrMapOvr>
-</p:sld>
-</file>
-
-<file path=ppt/slides/slide22.xml><?xml version="1.0" encoding="utf-8"?>
+<file path=ppt/slides/slide18.xml><?xml version="1.0" encoding="utf-8"?>
 <p:sld xmlns:a="http://schemas.openxmlformats.org/drawingml/2006/main" xmlns:r="http://schemas.openxmlformats.org/officeDocument/2006/relationships" xmlns:p="http://schemas.openxmlformats.org/presentationml/2006/main">
   <p:cSld>
     <p:spTree>
@@ -18675,7 +13687,7 @@
 </p:sld>
 </file>
 
-<file path=ppt/slides/slide23.xml><?xml version="1.0" encoding="utf-8"?>
+<file path=ppt/slides/slide19.xml><?xml version="1.0" encoding="utf-8"?>
 <p:sld xmlns:a="http://schemas.openxmlformats.org/drawingml/2006/main" xmlns:r="http://schemas.openxmlformats.org/officeDocument/2006/relationships" xmlns:p="http://schemas.openxmlformats.org/presentationml/2006/main">
   <p:cSld>
     <p:spTree>
@@ -19537,7 +14549,7 @@
 </p:sld>
 </file>
 
-<file path=ppt/slides/slide24.xml><?xml version="1.0" encoding="utf-8"?>
+<file path=ppt/slides/slide2.xml><?xml version="1.0" encoding="utf-8"?>
 <p:sld xmlns:a="http://schemas.openxmlformats.org/drawingml/2006/main" xmlns:r="http://schemas.openxmlformats.org/officeDocument/2006/relationships" xmlns:p="http://schemas.openxmlformats.org/presentationml/2006/main">
   <p:cSld>
     <p:spTree>
@@ -19568,6 +14580,379 @@
         </p:nvSpPr>
         <p:spPr>
           <a:xfrm>
+            <a:off x="0" y="-35859"/>
+            <a:ext cx="2474259" cy="585694"/>
+          </a:xfrm>
+          <a:prstGeom prst="rect">
+            <a:avLst/>
+          </a:prstGeom>
+        </p:spPr>
+        <p:style>
+          <a:lnRef idx="2">
+            <a:schemeClr val="accent1">
+              <a:shade val="50000"/>
+            </a:schemeClr>
+          </a:lnRef>
+          <a:fillRef idx="1">
+            <a:schemeClr val="accent1"/>
+          </a:fillRef>
+          <a:effectRef idx="0">
+            <a:schemeClr val="accent1"/>
+          </a:effectRef>
+          <a:fontRef idx="minor">
+            <a:schemeClr val="lt1"/>
+          </a:fontRef>
+        </p:style>
+        <p:txBody>
+          <a:bodyPr rtlCol="0" anchor="ctr"/>
+          <a:lstStyle/>
+          <a:p>
+            <a:pPr algn="ctr"/>
+            <a:r>
+              <a:rPr lang="pt-BR" dirty="0"/>
+              <a:t>Cadastros</a:t>
+            </a:r>
+          </a:p>
+        </p:txBody>
+      </p:sp>
+      <p:sp>
+        <p:nvSpPr>
+          <p:cNvPr id="12" name="Retângulo 11">
+            <a:extLst>
+              <a:ext uri="{FF2B5EF4-FFF2-40B4-BE49-F238E27FC236}">
+                <a16:creationId xmlns:a16="http://schemas.microsoft.com/office/drawing/2014/main" id="{74C78776-DE91-4953-8B10-931EABCE6488}"/>
+              </a:ext>
+            </a:extLst>
+          </p:cNvPr>
+          <p:cNvSpPr/>
+          <p:nvPr/>
+        </p:nvSpPr>
+        <p:spPr>
+          <a:xfrm>
+            <a:off x="-3" y="1219199"/>
+            <a:ext cx="2474259" cy="585694"/>
+          </a:xfrm>
+          <a:prstGeom prst="rect">
+            <a:avLst/>
+          </a:prstGeom>
+        </p:spPr>
+        <p:style>
+          <a:lnRef idx="2">
+            <a:schemeClr val="accent1">
+              <a:shade val="50000"/>
+            </a:schemeClr>
+          </a:lnRef>
+          <a:fillRef idx="1">
+            <a:schemeClr val="accent1"/>
+          </a:fillRef>
+          <a:effectRef idx="0">
+            <a:schemeClr val="accent1"/>
+          </a:effectRef>
+          <a:fontRef idx="minor">
+            <a:schemeClr val="lt1"/>
+          </a:fontRef>
+        </p:style>
+        <p:txBody>
+          <a:bodyPr rtlCol="0" anchor="ctr"/>
+          <a:lstStyle/>
+          <a:p>
+            <a:pPr algn="ctr"/>
+            <a:r>
+              <a:rPr lang="pt-BR" dirty="0"/>
+              <a:t>Movimento</a:t>
+            </a:r>
+          </a:p>
+        </p:txBody>
+      </p:sp>
+      <p:sp>
+        <p:nvSpPr>
+          <p:cNvPr id="14" name="Retângulo 13">
+            <a:extLst>
+              <a:ext uri="{FF2B5EF4-FFF2-40B4-BE49-F238E27FC236}">
+                <a16:creationId xmlns:a16="http://schemas.microsoft.com/office/drawing/2014/main" id="{B9E9D420-AD30-4CA5-942D-0E64A9B1D39D}"/>
+              </a:ext>
+            </a:extLst>
+          </p:cNvPr>
+          <p:cNvSpPr/>
+          <p:nvPr/>
+        </p:nvSpPr>
+        <p:spPr>
+          <a:xfrm>
+            <a:off x="-4" y="1804893"/>
+            <a:ext cx="2474259" cy="585694"/>
+          </a:xfrm>
+          <a:prstGeom prst="rect">
+            <a:avLst/>
+          </a:prstGeom>
+        </p:spPr>
+        <p:style>
+          <a:lnRef idx="2">
+            <a:schemeClr val="accent1">
+              <a:shade val="50000"/>
+            </a:schemeClr>
+          </a:lnRef>
+          <a:fillRef idx="1">
+            <a:schemeClr val="accent1"/>
+          </a:fillRef>
+          <a:effectRef idx="0">
+            <a:schemeClr val="accent1"/>
+          </a:effectRef>
+          <a:fontRef idx="minor">
+            <a:schemeClr val="lt1"/>
+          </a:fontRef>
+        </p:style>
+        <p:txBody>
+          <a:bodyPr rtlCol="0" anchor="ctr"/>
+          <a:lstStyle/>
+          <a:p>
+            <a:pPr algn="ctr"/>
+            <a:r>
+              <a:rPr lang="pt-BR" dirty="0"/>
+              <a:t>Relatórios</a:t>
+            </a:r>
+          </a:p>
+        </p:txBody>
+      </p:sp>
+      <p:sp>
+        <p:nvSpPr>
+          <p:cNvPr id="15" name="Retângulo 14">
+            <a:extLst>
+              <a:ext uri="{FF2B5EF4-FFF2-40B4-BE49-F238E27FC236}">
+                <a16:creationId xmlns:a16="http://schemas.microsoft.com/office/drawing/2014/main" id="{EFAC0A38-E040-4B51-9F59-E96F47E0572E}"/>
+              </a:ext>
+            </a:extLst>
+          </p:cNvPr>
+          <p:cNvSpPr/>
+          <p:nvPr/>
+        </p:nvSpPr>
+        <p:spPr>
+          <a:xfrm>
+            <a:off x="-3" y="2390587"/>
+            <a:ext cx="2474259" cy="585694"/>
+          </a:xfrm>
+          <a:prstGeom prst="rect">
+            <a:avLst/>
+          </a:prstGeom>
+        </p:spPr>
+        <p:style>
+          <a:lnRef idx="2">
+            <a:schemeClr val="accent1">
+              <a:shade val="50000"/>
+            </a:schemeClr>
+          </a:lnRef>
+          <a:fillRef idx="1">
+            <a:schemeClr val="accent1"/>
+          </a:fillRef>
+          <a:effectRef idx="0">
+            <a:schemeClr val="accent1"/>
+          </a:effectRef>
+          <a:fontRef idx="minor">
+            <a:schemeClr val="lt1"/>
+          </a:fontRef>
+        </p:style>
+        <p:txBody>
+          <a:bodyPr rtlCol="0" anchor="ctr"/>
+          <a:lstStyle/>
+          <a:p>
+            <a:pPr algn="ctr"/>
+            <a:r>
+              <a:rPr lang="pt-BR" dirty="0"/>
+              <a:t>Administrativo</a:t>
+            </a:r>
+          </a:p>
+        </p:txBody>
+      </p:sp>
+      <p:sp>
+        <p:nvSpPr>
+          <p:cNvPr id="3" name="Retângulo 2">
+            <a:extLst>
+              <a:ext uri="{FF2B5EF4-FFF2-40B4-BE49-F238E27FC236}">
+                <a16:creationId xmlns:a16="http://schemas.microsoft.com/office/drawing/2014/main" id="{CF81F604-B16E-4D27-847D-B699BA45F6FE}"/>
+              </a:ext>
+            </a:extLst>
+          </p:cNvPr>
+          <p:cNvSpPr/>
+          <p:nvPr/>
+        </p:nvSpPr>
+        <p:spPr>
+          <a:xfrm>
+            <a:off x="2474258" y="-35859"/>
+            <a:ext cx="2474259" cy="585694"/>
+          </a:xfrm>
+          <a:prstGeom prst="rect">
+            <a:avLst/>
+          </a:prstGeom>
+        </p:spPr>
+        <p:style>
+          <a:lnRef idx="2">
+            <a:schemeClr val="accent1">
+              <a:shade val="50000"/>
+            </a:schemeClr>
+          </a:lnRef>
+          <a:fillRef idx="1">
+            <a:schemeClr val="accent1"/>
+          </a:fillRef>
+          <a:effectRef idx="0">
+            <a:schemeClr val="accent1"/>
+          </a:effectRef>
+          <a:fontRef idx="minor">
+            <a:schemeClr val="lt1"/>
+          </a:fontRef>
+        </p:style>
+        <p:txBody>
+          <a:bodyPr rtlCol="0" anchor="ctr"/>
+          <a:lstStyle/>
+          <a:p>
+            <a:pPr algn="ctr"/>
+            <a:r>
+              <a:rPr lang="pt-BR" dirty="0"/>
+              <a:t>Produtos</a:t>
+            </a:r>
+          </a:p>
+        </p:txBody>
+      </p:sp>
+      <p:sp>
+        <p:nvSpPr>
+          <p:cNvPr id="4" name="Retângulo 3">
+            <a:extLst>
+              <a:ext uri="{FF2B5EF4-FFF2-40B4-BE49-F238E27FC236}">
+                <a16:creationId xmlns:a16="http://schemas.microsoft.com/office/drawing/2014/main" id="{FF2D4F35-512F-44FB-A15B-C8458A851431}"/>
+              </a:ext>
+            </a:extLst>
+          </p:cNvPr>
+          <p:cNvSpPr/>
+          <p:nvPr/>
+        </p:nvSpPr>
+        <p:spPr>
+          <a:xfrm>
+            <a:off x="2474258" y="555812"/>
+            <a:ext cx="2474259" cy="585694"/>
+          </a:xfrm>
+          <a:prstGeom prst="rect">
+            <a:avLst/>
+          </a:prstGeom>
+        </p:spPr>
+        <p:style>
+          <a:lnRef idx="2">
+            <a:schemeClr val="accent1">
+              <a:shade val="50000"/>
+            </a:schemeClr>
+          </a:lnRef>
+          <a:fillRef idx="1">
+            <a:schemeClr val="accent1"/>
+          </a:fillRef>
+          <a:effectRef idx="0">
+            <a:schemeClr val="accent1"/>
+          </a:effectRef>
+          <a:fontRef idx="minor">
+            <a:schemeClr val="lt1"/>
+          </a:fontRef>
+        </p:style>
+        <p:txBody>
+          <a:bodyPr rtlCol="0" anchor="ctr"/>
+          <a:lstStyle/>
+          <a:p>
+            <a:pPr algn="ctr"/>
+            <a:r>
+              <a:rPr lang="pt-BR" dirty="0"/>
+              <a:t>Clientes</a:t>
+            </a:r>
+          </a:p>
+        </p:txBody>
+      </p:sp>
+      <p:sp>
+        <p:nvSpPr>
+          <p:cNvPr id="7" name="Retângulo 6">
+            <a:extLst>
+              <a:ext uri="{FF2B5EF4-FFF2-40B4-BE49-F238E27FC236}">
+                <a16:creationId xmlns:a16="http://schemas.microsoft.com/office/drawing/2014/main" id="{E2472B94-F806-4404-99B1-38ADA7E4A051}"/>
+              </a:ext>
+            </a:extLst>
+          </p:cNvPr>
+          <p:cNvSpPr/>
+          <p:nvPr/>
+        </p:nvSpPr>
+        <p:spPr>
+          <a:xfrm>
+            <a:off x="-2" y="633505"/>
+            <a:ext cx="2474259" cy="585694"/>
+          </a:xfrm>
+          <a:prstGeom prst="rect">
+            <a:avLst/>
+          </a:prstGeom>
+        </p:spPr>
+        <p:style>
+          <a:lnRef idx="2">
+            <a:schemeClr val="accent1">
+              <a:shade val="50000"/>
+            </a:schemeClr>
+          </a:lnRef>
+          <a:fillRef idx="1">
+            <a:schemeClr val="accent1"/>
+          </a:fillRef>
+          <a:effectRef idx="0">
+            <a:schemeClr val="accent1"/>
+          </a:effectRef>
+          <a:fontRef idx="minor">
+            <a:schemeClr val="lt1"/>
+          </a:fontRef>
+        </p:style>
+        <p:txBody>
+          <a:bodyPr rtlCol="0" anchor="ctr"/>
+          <a:lstStyle/>
+          <a:p>
+            <a:pPr algn="ctr"/>
+            <a:r>
+              <a:rPr lang="pt-BR" dirty="0"/>
+              <a:t>Listagens/Alterações </a:t>
+            </a:r>
+          </a:p>
+        </p:txBody>
+      </p:sp>
+    </p:spTree>
+    <p:extLst>
+      <p:ext uri="{BB962C8B-B14F-4D97-AF65-F5344CB8AC3E}">
+        <p14:creationId xmlns:p14="http://schemas.microsoft.com/office/powerpoint/2010/main" val="3295024111"/>
+      </p:ext>
+    </p:extLst>
+  </p:cSld>
+  <p:clrMapOvr>
+    <a:masterClrMapping/>
+  </p:clrMapOvr>
+</p:sld>
+</file>
+
+<file path=ppt/slides/slide20.xml><?xml version="1.0" encoding="utf-8"?>
+<p:sld xmlns:a="http://schemas.openxmlformats.org/drawingml/2006/main" xmlns:r="http://schemas.openxmlformats.org/officeDocument/2006/relationships" xmlns:p="http://schemas.openxmlformats.org/presentationml/2006/main">
+  <p:cSld>
+    <p:spTree>
+      <p:nvGrpSpPr>
+        <p:cNvPr id="1" name=""/>
+        <p:cNvGrpSpPr/>
+        <p:nvPr/>
+      </p:nvGrpSpPr>
+      <p:grpSpPr>
+        <a:xfrm>
+          <a:off x="0" y="0"/>
+          <a:ext cx="0" cy="0"/>
+          <a:chOff x="0" y="0"/>
+          <a:chExt cx="0" cy="0"/>
+        </a:xfrm>
+      </p:grpSpPr>
+      <p:sp>
+        <p:nvSpPr>
+          <p:cNvPr id="2" name="Retângulo 1">
+            <a:extLst>
+              <a:ext uri="{FF2B5EF4-FFF2-40B4-BE49-F238E27FC236}">
+                <a16:creationId xmlns:a16="http://schemas.microsoft.com/office/drawing/2014/main" id="{FA694BDA-0AC4-4F8A-B189-751FA7346519}"/>
+              </a:ext>
+            </a:extLst>
+          </p:cNvPr>
+          <p:cNvSpPr/>
+          <p:nvPr/>
+        </p:nvSpPr>
+        <p:spPr>
+          <a:xfrm>
             <a:off x="0" y="-59764"/>
             <a:ext cx="12192000" cy="585694"/>
           </a:xfrm>
@@ -19957,7 +15342,7 @@
 </p:sld>
 </file>
 
-<file path=ppt/slides/slide25.xml><?xml version="1.0" encoding="utf-8"?>
+<file path=ppt/slides/slide21.xml><?xml version="1.0" encoding="utf-8"?>
 <p:sld xmlns:a="http://schemas.openxmlformats.org/drawingml/2006/main" xmlns:r="http://schemas.openxmlformats.org/officeDocument/2006/relationships" xmlns:p="http://schemas.openxmlformats.org/presentationml/2006/main">
   <p:cSld>
     <p:spTree>
@@ -20868,7 +16253,7 @@
 </p:sld>
 </file>
 
-<file path=ppt/slides/slide26.xml><?xml version="1.0" encoding="utf-8"?>
+<file path=ppt/slides/slide22.xml><?xml version="1.0" encoding="utf-8"?>
 <p:sld xmlns:a="http://schemas.openxmlformats.org/drawingml/2006/main" xmlns:r="http://schemas.openxmlformats.org/officeDocument/2006/relationships" xmlns:p="http://schemas.openxmlformats.org/presentationml/2006/main">
   <p:cSld>
     <p:spTree>
@@ -21369,7 +16754,7 @@
 </p:sld>
 </file>
 
-<file path=ppt/slides/slide27.xml><?xml version="1.0" encoding="utf-8"?>
+<file path=ppt/slides/slide23.xml><?xml version="1.0" encoding="utf-8"?>
 <p:sld xmlns:a="http://schemas.openxmlformats.org/drawingml/2006/main" xmlns:r="http://schemas.openxmlformats.org/officeDocument/2006/relationships" xmlns:p="http://schemas.openxmlformats.org/presentationml/2006/main">
   <p:cSld>
     <p:spTree>
@@ -22340,55 +17725,6 @@
           </a:p>
         </p:txBody>
       </p:sp>
-      <p:sp>
-        <p:nvSpPr>
-          <p:cNvPr id="6" name="Retângulo 5">
-            <a:extLst>
-              <a:ext uri="{FF2B5EF4-FFF2-40B4-BE49-F238E27FC236}">
-                <a16:creationId xmlns:a16="http://schemas.microsoft.com/office/drawing/2014/main" id="{5EE6284A-BCC1-4B8B-9FB7-8F95D58449E7}"/>
-              </a:ext>
-            </a:extLst>
-          </p:cNvPr>
-          <p:cNvSpPr/>
-          <p:nvPr/>
-        </p:nvSpPr>
-        <p:spPr>
-          <a:xfrm>
-            <a:off x="2474256" y="2384610"/>
-            <a:ext cx="2474259" cy="585694"/>
-          </a:xfrm>
-          <a:prstGeom prst="rect">
-            <a:avLst/>
-          </a:prstGeom>
-        </p:spPr>
-        <p:style>
-          <a:lnRef idx="2">
-            <a:schemeClr val="accent1">
-              <a:shade val="50000"/>
-            </a:schemeClr>
-          </a:lnRef>
-          <a:fillRef idx="1">
-            <a:schemeClr val="accent1"/>
-          </a:fillRef>
-          <a:effectRef idx="0">
-            <a:schemeClr val="accent1"/>
-          </a:effectRef>
-          <a:fontRef idx="minor">
-            <a:schemeClr val="lt1"/>
-          </a:fontRef>
-        </p:style>
-        <p:txBody>
-          <a:bodyPr rtlCol="0" anchor="ctr"/>
-          <a:lstStyle/>
-          <a:p>
-            <a:pPr algn="ctr"/>
-            <a:r>
-              <a:rPr lang="pt-BR" dirty="0"/>
-              <a:t>Devoluções </a:t>
-            </a:r>
-          </a:p>
-        </p:txBody>
-      </p:sp>
     </p:spTree>
     <p:extLst>
       <p:ext uri="{BB962C8B-B14F-4D97-AF65-F5344CB8AC3E}">
@@ -22708,7 +18044,7 @@
             <a:pPr algn="ctr"/>
             <a:r>
               <a:rPr lang="pt-BR" dirty="0"/>
-              <a:t>Devoluções</a:t>
+              <a:t>Caixa</a:t>
             </a:r>
           </a:p>
         </p:txBody>
@@ -23039,10 +18375,10 @@
       </p:sp>
       <p:sp>
         <p:nvSpPr>
-          <p:cNvPr id="6" name="Retângulo 5">
-            <a:extLst>
-              <a:ext uri="{FF2B5EF4-FFF2-40B4-BE49-F238E27FC236}">
-                <a16:creationId xmlns:a16="http://schemas.microsoft.com/office/drawing/2014/main" id="{86B08368-AD40-4D33-BBEB-BF46AA4484B9}"/>
+          <p:cNvPr id="7" name="Retângulo 6">
+            <a:extLst>
+              <a:ext uri="{FF2B5EF4-FFF2-40B4-BE49-F238E27FC236}">
+                <a16:creationId xmlns:a16="http://schemas.microsoft.com/office/drawing/2014/main" id="{19AE80A8-AC29-4634-BD6C-786462CB5FFF}"/>
               </a:ext>
             </a:extLst>
           </p:cNvPr>
@@ -23051,56 +18387,7 @@
         </p:nvSpPr>
         <p:spPr>
           <a:xfrm>
-            <a:off x="2474258" y="2985261"/>
-            <a:ext cx="2474259" cy="585694"/>
-          </a:xfrm>
-          <a:prstGeom prst="rect">
-            <a:avLst/>
-          </a:prstGeom>
-        </p:spPr>
-        <p:style>
-          <a:lnRef idx="2">
-            <a:schemeClr val="accent1">
-              <a:shade val="50000"/>
-            </a:schemeClr>
-          </a:lnRef>
-          <a:fillRef idx="1">
-            <a:schemeClr val="accent1"/>
-          </a:fillRef>
-          <a:effectRef idx="0">
-            <a:schemeClr val="accent1"/>
-          </a:effectRef>
-          <a:fontRef idx="minor">
-            <a:schemeClr val="lt1"/>
-          </a:fontRef>
-        </p:style>
-        <p:txBody>
-          <a:bodyPr rtlCol="0" anchor="ctr"/>
-          <a:lstStyle/>
-          <a:p>
-            <a:pPr algn="ctr"/>
-            <a:r>
-              <a:rPr lang="pt-BR" dirty="0"/>
-              <a:t>Devoluções</a:t>
-            </a:r>
-          </a:p>
-        </p:txBody>
-      </p:sp>
-      <p:sp>
-        <p:nvSpPr>
-          <p:cNvPr id="7" name="Retângulo 6">
-            <a:extLst>
-              <a:ext uri="{FF2B5EF4-FFF2-40B4-BE49-F238E27FC236}">
-                <a16:creationId xmlns:a16="http://schemas.microsoft.com/office/drawing/2014/main" id="{19AE80A8-AC29-4634-BD6C-786462CB5FFF}"/>
-              </a:ext>
-            </a:extLst>
-          </p:cNvPr>
-          <p:cNvSpPr/>
-          <p:nvPr/>
-        </p:nvSpPr>
-        <p:spPr>
-          <a:xfrm>
-            <a:off x="2474256" y="4156649"/>
+            <a:off x="2474257" y="2998719"/>
             <a:ext cx="2474259" cy="585694"/>
           </a:xfrm>
           <a:prstGeom prst="rect">
@@ -23235,10 +18522,10 @@
       </p:sp>
       <p:sp>
         <p:nvSpPr>
-          <p:cNvPr id="19" name="Retângulo 18">
-            <a:extLst>
-              <a:ext uri="{FF2B5EF4-FFF2-40B4-BE49-F238E27FC236}">
-                <a16:creationId xmlns:a16="http://schemas.microsoft.com/office/drawing/2014/main" id="{BE785788-7CC9-4A68-830D-899D82FEC4F4}"/>
+          <p:cNvPr id="13" name="Retângulo 12">
+            <a:extLst>
+              <a:ext uri="{FF2B5EF4-FFF2-40B4-BE49-F238E27FC236}">
+                <a16:creationId xmlns:a16="http://schemas.microsoft.com/office/drawing/2014/main" id="{FB216AA3-6EEA-46BF-85EF-C86480FB4D9E}"/>
               </a:ext>
             </a:extLst>
           </p:cNvPr>
@@ -23247,7 +18534,7 @@
         </p:nvSpPr>
         <p:spPr>
           <a:xfrm>
-            <a:off x="2474257" y="3570955"/>
+            <a:off x="2474257" y="3584413"/>
             <a:ext cx="2474259" cy="585694"/>
           </a:xfrm>
           <a:prstGeom prst="rect">
@@ -23277,7 +18564,7 @@
             <a:pPr algn="ctr"/>
             <a:r>
               <a:rPr lang="pt-BR" dirty="0"/>
-              <a:t>Produtos Devolvidos</a:t>
+              <a:t>Caixa</a:t>
             </a:r>
           </a:p>
         </p:txBody>
